--- a/How to make money with software.pptx
+++ b/How to make money with software.pptx
@@ -10,6 +10,7 @@
     <p:sldId id="258" r:id="rId4"/>
     <p:sldId id="259" r:id="rId5"/>
     <p:sldId id="260" r:id="rId6"/>
+    <p:sldId id="261" r:id="rId7"/>
   </p:sldIdLst>
   <p:sldSz cx="12192000" cy="6858000"/>
   <p:notesSz cx="6858000" cy="9144000"/>
@@ -129,7 +130,7 @@
   <pc:docChgLst>
     <pc:chgData name="Ruo Feng Somers" userId="e05789add83f385b" providerId="LiveId" clId="{55FEF0CA-15A7-4B12-8759-94FEFB250766}"/>
     <pc:docChg chg="undo redo custSel addSld delSld modSld sldOrd">
-      <pc:chgData name="Ruo Feng Somers" userId="e05789add83f385b" providerId="LiveId" clId="{55FEF0CA-15A7-4B12-8759-94FEFB250766}" dt="2025-01-30T20:07:26.326" v="1136" actId="1076"/>
+      <pc:chgData name="Ruo Feng Somers" userId="e05789add83f385b" providerId="LiveId" clId="{55FEF0CA-15A7-4B12-8759-94FEFB250766}" dt="2025-01-31T08:08:55.148" v="1194" actId="20577"/>
       <pc:docMkLst>
         <pc:docMk/>
       </pc:docMkLst>
@@ -571,6 +572,28 @@
           </ac:picMkLst>
         </pc:picChg>
       </pc:sldChg>
+      <pc:sldChg chg="new del">
+        <pc:chgData name="Ruo Feng Somers" userId="e05789add83f385b" providerId="LiveId" clId="{55FEF0CA-15A7-4B12-8759-94FEFB250766}" dt="2025-01-31T08:07:34.064" v="1138" actId="680"/>
+        <pc:sldMkLst>
+          <pc:docMk/>
+          <pc:sldMk cId="241298084" sldId="261"/>
+        </pc:sldMkLst>
+      </pc:sldChg>
+      <pc:sldChg chg="modSp add mod">
+        <pc:chgData name="Ruo Feng Somers" userId="e05789add83f385b" providerId="LiveId" clId="{55FEF0CA-15A7-4B12-8759-94FEFB250766}" dt="2025-01-31T08:08:55.148" v="1194" actId="20577"/>
+        <pc:sldMkLst>
+          <pc:docMk/>
+          <pc:sldMk cId="4140527961" sldId="261"/>
+        </pc:sldMkLst>
+        <pc:spChg chg="mod">
+          <ac:chgData name="Ruo Feng Somers" userId="e05789add83f385b" providerId="LiveId" clId="{55FEF0CA-15A7-4B12-8759-94FEFB250766}" dt="2025-01-31T08:08:55.148" v="1194" actId="20577"/>
+          <ac:spMkLst>
+            <pc:docMk/>
+            <pc:sldMk cId="4140527961" sldId="261"/>
+            <ac:spMk id="2" creationId="{7096C5D2-FF7E-AEAF-0E86-E3FF579BB595}"/>
+          </ac:spMkLst>
+        </pc:spChg>
+      </pc:sldChg>
     </pc:docChg>
   </pc:docChgLst>
 </pc:chgInfo>
@@ -725,7 +748,7 @@
           <a:p>
             <a:fld id="{D64660CB-3018-4B1C-BA22-7AC78AB2EFDE}" type="datetimeFigureOut">
               <a:rPr lang="nl-NL" smtClean="0"/>
-              <a:t>30-1-2025</a:t>
+              <a:t>31-1-2025</a:t>
             </a:fld>
             <a:endParaRPr lang="nl-NL" dirty="0"/>
           </a:p>
@@ -925,7 +948,7 @@
           <a:p>
             <a:fld id="{D64660CB-3018-4B1C-BA22-7AC78AB2EFDE}" type="datetimeFigureOut">
               <a:rPr lang="nl-NL" smtClean="0"/>
-              <a:t>30-1-2025</a:t>
+              <a:t>31-1-2025</a:t>
             </a:fld>
             <a:endParaRPr lang="nl-NL" dirty="0"/>
           </a:p>
@@ -1135,7 +1158,7 @@
           <a:p>
             <a:fld id="{D64660CB-3018-4B1C-BA22-7AC78AB2EFDE}" type="datetimeFigureOut">
               <a:rPr lang="nl-NL" smtClean="0"/>
-              <a:t>30-1-2025</a:t>
+              <a:t>31-1-2025</a:t>
             </a:fld>
             <a:endParaRPr lang="nl-NL" dirty="0"/>
           </a:p>
@@ -1335,7 +1358,7 @@
           <a:p>
             <a:fld id="{D64660CB-3018-4B1C-BA22-7AC78AB2EFDE}" type="datetimeFigureOut">
               <a:rPr lang="nl-NL" smtClean="0"/>
-              <a:t>30-1-2025</a:t>
+              <a:t>31-1-2025</a:t>
             </a:fld>
             <a:endParaRPr lang="nl-NL" dirty="0"/>
           </a:p>
@@ -1611,7 +1634,7 @@
           <a:p>
             <a:fld id="{D64660CB-3018-4B1C-BA22-7AC78AB2EFDE}" type="datetimeFigureOut">
               <a:rPr lang="nl-NL" smtClean="0"/>
-              <a:t>30-1-2025</a:t>
+              <a:t>31-1-2025</a:t>
             </a:fld>
             <a:endParaRPr lang="nl-NL" dirty="0"/>
           </a:p>
@@ -1879,7 +1902,7 @@
           <a:p>
             <a:fld id="{D64660CB-3018-4B1C-BA22-7AC78AB2EFDE}" type="datetimeFigureOut">
               <a:rPr lang="nl-NL" smtClean="0"/>
-              <a:t>30-1-2025</a:t>
+              <a:t>31-1-2025</a:t>
             </a:fld>
             <a:endParaRPr lang="nl-NL" dirty="0"/>
           </a:p>
@@ -2294,7 +2317,7 @@
           <a:p>
             <a:fld id="{D64660CB-3018-4B1C-BA22-7AC78AB2EFDE}" type="datetimeFigureOut">
               <a:rPr lang="nl-NL" smtClean="0"/>
-              <a:t>30-1-2025</a:t>
+              <a:t>31-1-2025</a:t>
             </a:fld>
             <a:endParaRPr lang="nl-NL" dirty="0"/>
           </a:p>
@@ -2436,7 +2459,7 @@
           <a:p>
             <a:fld id="{D64660CB-3018-4B1C-BA22-7AC78AB2EFDE}" type="datetimeFigureOut">
               <a:rPr lang="nl-NL" smtClean="0"/>
-              <a:t>30-1-2025</a:t>
+              <a:t>31-1-2025</a:t>
             </a:fld>
             <a:endParaRPr lang="nl-NL" dirty="0"/>
           </a:p>
@@ -2549,7 +2572,7 @@
           <a:p>
             <a:fld id="{D64660CB-3018-4B1C-BA22-7AC78AB2EFDE}" type="datetimeFigureOut">
               <a:rPr lang="nl-NL" smtClean="0"/>
-              <a:t>30-1-2025</a:t>
+              <a:t>31-1-2025</a:t>
             </a:fld>
             <a:endParaRPr lang="nl-NL" dirty="0"/>
           </a:p>
@@ -2862,7 +2885,7 @@
           <a:p>
             <a:fld id="{D64660CB-3018-4B1C-BA22-7AC78AB2EFDE}" type="datetimeFigureOut">
               <a:rPr lang="nl-NL" smtClean="0"/>
-              <a:t>30-1-2025</a:t>
+              <a:t>31-1-2025</a:t>
             </a:fld>
             <a:endParaRPr lang="nl-NL" dirty="0"/>
           </a:p>
@@ -3151,7 +3174,7 @@
           <a:p>
             <a:fld id="{D64660CB-3018-4B1C-BA22-7AC78AB2EFDE}" type="datetimeFigureOut">
               <a:rPr lang="nl-NL" smtClean="0"/>
-              <a:t>30-1-2025</a:t>
+              <a:t>31-1-2025</a:t>
             </a:fld>
             <a:endParaRPr lang="nl-NL" dirty="0"/>
           </a:p>
@@ -3394,7 +3417,7 @@
           <a:p>
             <a:fld id="{D64660CB-3018-4B1C-BA22-7AC78AB2EFDE}" type="datetimeFigureOut">
               <a:rPr lang="nl-NL" smtClean="0"/>
-              <a:t>30-1-2025</a:t>
+              <a:t>31-1-2025</a:t>
             </a:fld>
             <a:endParaRPr lang="nl-NL" dirty="0"/>
           </a:p>
@@ -4064,13 +4087,13 @@
   <p:clrMapOvr>
     <a:masterClrMapping/>
   </p:clrMapOvr>
-  <mc:AlternateContent xmlns:mc="http://schemas.openxmlformats.org/markup-compatibility/2006">
-    <mc:Choice xmlns:p14="http://schemas.microsoft.com/office/powerpoint/2010/main" Requires="p14">
+  <mc:AlternateContent xmlns:mc="http://schemas.openxmlformats.org/markup-compatibility/2006" xmlns:p14="http://schemas.microsoft.com/office/powerpoint/2010/main">
+    <mc:Choice Requires="p14">
       <p:transition spd="med" p14:dur="700">
         <p:fade/>
       </p:transition>
     </mc:Choice>
-    <mc:Fallback>
+    <mc:Fallback xmlns="">
       <p:transition spd="med">
         <p:fade/>
       </p:transition>
@@ -4579,13 +4602,13 @@
   <p:clrMapOvr>
     <a:masterClrMapping/>
   </p:clrMapOvr>
-  <mc:AlternateContent xmlns:mc="http://schemas.openxmlformats.org/markup-compatibility/2006">
-    <mc:Choice xmlns:p14="http://schemas.microsoft.com/office/powerpoint/2010/main" Requires="p14">
+  <mc:AlternateContent xmlns:mc="http://schemas.openxmlformats.org/markup-compatibility/2006" xmlns:p14="http://schemas.microsoft.com/office/powerpoint/2010/main">
+    <mc:Choice Requires="p14">
       <p:transition spd="med" p14:dur="700">
         <p:fade/>
       </p:transition>
     </mc:Choice>
-    <mc:Fallback>
+    <mc:Fallback xmlns="">
       <p:transition spd="med">
         <p:fade/>
       </p:transition>
@@ -5326,13 +5349,13 @@
   <p:clrMapOvr>
     <a:masterClrMapping/>
   </p:clrMapOvr>
-  <mc:AlternateContent xmlns:mc="http://schemas.openxmlformats.org/markup-compatibility/2006">
-    <mc:Choice xmlns:p14="http://schemas.microsoft.com/office/powerpoint/2010/main" Requires="p14">
+  <mc:AlternateContent xmlns:mc="http://schemas.openxmlformats.org/markup-compatibility/2006" xmlns:p14="http://schemas.microsoft.com/office/powerpoint/2010/main">
+    <mc:Choice Requires="p14">
       <p:transition spd="med" p14:dur="700">
         <p:fade/>
       </p:transition>
     </mc:Choice>
-    <mc:Fallback>
+    <mc:Fallback xmlns="">
       <p:transition spd="med">
         <p:fade/>
       </p:transition>
@@ -5744,13 +5767,13 @@
   <p:clrMapOvr>
     <a:masterClrMapping/>
   </p:clrMapOvr>
-  <mc:AlternateContent xmlns:mc="http://schemas.openxmlformats.org/markup-compatibility/2006">
-    <mc:Choice xmlns:p14="http://schemas.microsoft.com/office/powerpoint/2010/main" Requires="p14">
+  <mc:AlternateContent xmlns:mc="http://schemas.openxmlformats.org/markup-compatibility/2006" xmlns:p14="http://schemas.microsoft.com/office/powerpoint/2010/main">
+    <mc:Choice Requires="p14">
       <p:transition spd="med" p14:dur="700">
         <p:fade/>
       </p:transition>
     </mc:Choice>
-    <mc:Fallback>
+    <mc:Fallback xmlns="">
       <p:transition spd="med">
         <p:fade/>
       </p:transition>
@@ -5986,6 +6009,257 @@
     <p:extLst>
       <p:ext uri="{BB962C8B-B14F-4D97-AF65-F5344CB8AC3E}">
         <p14:creationId xmlns:p14="http://schemas.microsoft.com/office/powerpoint/2010/main" val="3546818733"/>
+      </p:ext>
+    </p:extLst>
+  </p:cSld>
+  <p:clrMapOvr>
+    <a:masterClrMapping/>
+  </p:clrMapOvr>
+  <mc:AlternateContent xmlns:mc="http://schemas.openxmlformats.org/markup-compatibility/2006" xmlns:p14="http://schemas.microsoft.com/office/powerpoint/2010/main">
+    <mc:Choice Requires="p14">
+      <p:transition spd="med" p14:dur="700">
+        <p:fade/>
+      </p:transition>
+    </mc:Choice>
+    <mc:Fallback xmlns="">
+      <p:transition spd="med">
+        <p:fade/>
+      </p:transition>
+    </mc:Fallback>
+  </mc:AlternateContent>
+</p:sld>
+</file>
+
+<file path=ppt/slides/slide6.xml><?xml version="1.0" encoding="utf-8"?>
+<p:sld xmlns:a="http://schemas.openxmlformats.org/drawingml/2006/main" xmlns:r="http://schemas.openxmlformats.org/officeDocument/2006/relationships" xmlns:p="http://schemas.openxmlformats.org/presentationml/2006/main">
+  <p:cSld>
+    <p:spTree>
+      <p:nvGrpSpPr>
+        <p:cNvPr id="1" name="">
+          <a:extLst>
+            <a:ext uri="{FF2B5EF4-FFF2-40B4-BE49-F238E27FC236}">
+              <a16:creationId xmlns:a16="http://schemas.microsoft.com/office/drawing/2014/main" id="{BCDB5753-4128-EBF0-CD23-22E49691DE10}"/>
+            </a:ext>
+          </a:extLst>
+        </p:cNvPr>
+        <p:cNvGrpSpPr/>
+        <p:nvPr/>
+      </p:nvGrpSpPr>
+      <p:grpSpPr>
+        <a:xfrm>
+          <a:off x="0" y="0"/>
+          <a:ext cx="0" cy="0"/>
+          <a:chOff x="0" y="0"/>
+          <a:chExt cx="0" cy="0"/>
+        </a:xfrm>
+      </p:grpSpPr>
+      <p:sp>
+        <p:nvSpPr>
+          <p:cNvPr id="6" name="Right Triangle 5">
+            <a:extLst>
+              <a:ext uri="{FF2B5EF4-FFF2-40B4-BE49-F238E27FC236}">
+                <a16:creationId xmlns:a16="http://schemas.microsoft.com/office/drawing/2014/main" id="{EC8B483F-1976-095F-5AC0-238551A1ED8C}"/>
+              </a:ext>
+            </a:extLst>
+          </p:cNvPr>
+          <p:cNvSpPr/>
+          <p:nvPr/>
+        </p:nvSpPr>
+        <p:spPr>
+          <a:xfrm flipV="1">
+            <a:off x="0" y="0"/>
+            <a:ext cx="3347207" cy="2387600"/>
+          </a:xfrm>
+          <a:prstGeom prst="rtTriangle">
+            <a:avLst/>
+          </a:prstGeom>
+          <a:solidFill>
+            <a:srgbClr val="3877AA"/>
+          </a:solidFill>
+          <a:ln>
+            <a:solidFill>
+              <a:srgbClr val="3877AA"/>
+            </a:solidFill>
+          </a:ln>
+        </p:spPr>
+        <p:style>
+          <a:lnRef idx="2">
+            <a:schemeClr val="accent1">
+              <a:shade val="15000"/>
+            </a:schemeClr>
+          </a:lnRef>
+          <a:fillRef idx="1">
+            <a:schemeClr val="accent1"/>
+          </a:fillRef>
+          <a:effectRef idx="0">
+            <a:schemeClr val="accent1"/>
+          </a:effectRef>
+          <a:fontRef idx="minor">
+            <a:schemeClr val="lt1"/>
+          </a:fontRef>
+        </p:style>
+        <p:txBody>
+          <a:bodyPr rot="0" spcFirstLastPara="0" vert="horz" wrap="square" lIns="91440" tIns="45720" rIns="91440" bIns="45720" numCol="1" spcCol="0" rtlCol="0" fromWordArt="0" anchor="ctr" anchorCtr="0" forceAA="0" compatLnSpc="1">
+            <a:prstTxWarp prst="textNoShape">
+              <a:avLst/>
+            </a:prstTxWarp>
+            <a:noAutofit/>
+          </a:bodyPr>
+          <a:lstStyle/>
+          <a:p>
+            <a:endParaRPr lang="nl-NL" dirty="0"/>
+          </a:p>
+        </p:txBody>
+      </p:sp>
+      <p:sp>
+        <p:nvSpPr>
+          <p:cNvPr id="2" name="Title 1">
+            <a:extLst>
+              <a:ext uri="{FF2B5EF4-FFF2-40B4-BE49-F238E27FC236}">
+                <a16:creationId xmlns:a16="http://schemas.microsoft.com/office/drawing/2014/main" id="{7096C5D2-FF7E-AEAF-0E86-E3FF579BB595}"/>
+              </a:ext>
+            </a:extLst>
+          </p:cNvPr>
+          <p:cNvSpPr>
+            <a:spLocks noGrp="1"/>
+          </p:cNvSpPr>
+          <p:nvPr>
+            <p:ph type="ctrTitle"/>
+          </p:nvPr>
+        </p:nvSpPr>
+        <p:spPr>
+          <a:xfrm>
+            <a:off x="748496" y="11360"/>
+            <a:ext cx="10363200" cy="2387600"/>
+          </a:xfrm>
+        </p:spPr>
+        <p:txBody>
+          <a:bodyPr>
+            <a:normAutofit/>
+          </a:bodyPr>
+          <a:lstStyle/>
+          <a:p>
+            <a:r>
+              <a:rPr lang="en-US" b="1" i="0" dirty="0" err="1">
+                <a:solidFill>
+                  <a:srgbClr val="333333"/>
+                </a:solidFill>
+                <a:effectLst/>
+                <a:latin typeface="Lato" panose="020F0502020204030203" pitchFamily="34" charset="0"/>
+              </a:rPr>
+              <a:t>Vragen</a:t>
+            </a:r>
+            <a:br>
+              <a:rPr lang="en-US" b="1" i="0" dirty="0">
+                <a:solidFill>
+                  <a:srgbClr val="333333"/>
+                </a:solidFill>
+                <a:effectLst/>
+                <a:latin typeface="Lato" panose="020F0502020204030203" pitchFamily="34" charset="0"/>
+              </a:rPr>
+            </a:br>
+            <a:endParaRPr lang="nl-NL" dirty="0"/>
+          </a:p>
+        </p:txBody>
+      </p:sp>
+      <p:sp>
+        <p:nvSpPr>
+          <p:cNvPr id="4" name="Right Triangle 3">
+            <a:extLst>
+              <a:ext uri="{FF2B5EF4-FFF2-40B4-BE49-F238E27FC236}">
+                <a16:creationId xmlns:a16="http://schemas.microsoft.com/office/drawing/2014/main" id="{376AA422-013F-87BE-DA40-766A2DA5BB9F}"/>
+              </a:ext>
+            </a:extLst>
+          </p:cNvPr>
+          <p:cNvSpPr/>
+          <p:nvPr/>
+        </p:nvSpPr>
+        <p:spPr>
+          <a:xfrm rot="10800000" flipV="1">
+            <a:off x="8828492" y="4470400"/>
+            <a:ext cx="3347207" cy="2387600"/>
+          </a:xfrm>
+          <a:prstGeom prst="rtTriangle">
+            <a:avLst/>
+          </a:prstGeom>
+          <a:solidFill>
+            <a:srgbClr val="FFE464"/>
+          </a:solidFill>
+          <a:ln>
+            <a:solidFill>
+              <a:srgbClr val="FFE464"/>
+            </a:solidFill>
+          </a:ln>
+        </p:spPr>
+        <p:style>
+          <a:lnRef idx="2">
+            <a:schemeClr val="accent1">
+              <a:shade val="15000"/>
+            </a:schemeClr>
+          </a:lnRef>
+          <a:fillRef idx="1">
+            <a:schemeClr val="accent1"/>
+          </a:fillRef>
+          <a:effectRef idx="0">
+            <a:schemeClr val="accent1"/>
+          </a:effectRef>
+          <a:fontRef idx="minor">
+            <a:schemeClr val="lt1"/>
+          </a:fontRef>
+        </p:style>
+        <p:txBody>
+          <a:bodyPr rot="0" spcFirstLastPara="0" vert="horz" wrap="square" lIns="91440" tIns="45720" rIns="91440" bIns="45720" numCol="1" spcCol="0" rtlCol="0" fromWordArt="0" anchor="ctr" anchorCtr="0" forceAA="0" compatLnSpc="1">
+            <a:prstTxWarp prst="textNoShape">
+              <a:avLst/>
+            </a:prstTxWarp>
+            <a:noAutofit/>
+          </a:bodyPr>
+          <a:lstStyle/>
+          <a:p>
+            <a:endParaRPr lang="nl-NL" dirty="0"/>
+          </a:p>
+        </p:txBody>
+      </p:sp>
+      <p:pic>
+        <p:nvPicPr>
+          <p:cNvPr id="3" name="Afbeelding 2" descr="Afbeelding met Lettertype, logo, Graphics, symbool">
+            <a:extLst>
+              <a:ext uri="{FF2B5EF4-FFF2-40B4-BE49-F238E27FC236}">
+                <a16:creationId xmlns:a16="http://schemas.microsoft.com/office/drawing/2014/main" id="{5680E5F1-28B4-81A3-641B-A60CF9F6C915}"/>
+              </a:ext>
+            </a:extLst>
+          </p:cNvPr>
+          <p:cNvPicPr>
+            <a:picLocks noChangeAspect="1"/>
+          </p:cNvPicPr>
+          <p:nvPr/>
+        </p:nvPicPr>
+        <p:blipFill>
+          <a:blip r:embed="rId2">
+            <a:extLst>
+              <a:ext uri="{28A0092B-C50C-407E-A947-70E740481C1C}">
+                <a14:useLocalDpi xmlns:a14="http://schemas.microsoft.com/office/drawing/2010/main" val="0"/>
+              </a:ext>
+            </a:extLst>
+          </a:blip>
+          <a:stretch>
+            <a:fillRect/>
+          </a:stretch>
+        </p:blipFill>
+        <p:spPr>
+          <a:xfrm>
+            <a:off x="8604659" y="331667"/>
+            <a:ext cx="3347207" cy="1352332"/>
+          </a:xfrm>
+          <a:prstGeom prst="rect">
+            <a:avLst/>
+          </a:prstGeom>
+        </p:spPr>
+      </p:pic>
+    </p:spTree>
+    <p:extLst>
+      <p:ext uri="{BB962C8B-B14F-4D97-AF65-F5344CB8AC3E}">
+        <p14:creationId xmlns:p14="http://schemas.microsoft.com/office/powerpoint/2010/main" val="4140527961"/>
       </p:ext>
     </p:extLst>
   </p:cSld>

--- a/How to make money with software.pptx
+++ b/How to make money with software.pptx
@@ -130,12 +130,12 @@
   <pc:docChgLst>
     <pc:chgData name="Ruo Feng Somers" userId="e05789add83f385b" providerId="LiveId" clId="{55FEF0CA-15A7-4B12-8759-94FEFB250766}"/>
     <pc:docChg chg="undo redo custSel addSld delSld modSld sldOrd">
-      <pc:chgData name="Ruo Feng Somers" userId="e05789add83f385b" providerId="LiveId" clId="{55FEF0CA-15A7-4B12-8759-94FEFB250766}" dt="2025-01-31T08:08:55.148" v="1194" actId="20577"/>
+      <pc:chgData name="Ruo Feng Somers" userId="e05789add83f385b" providerId="LiveId" clId="{55FEF0CA-15A7-4B12-8759-94FEFB250766}" dt="2025-01-31T11:16:06.111" v="1195" actId="207"/>
       <pc:docMkLst>
         <pc:docMk/>
       </pc:docMkLst>
       <pc:sldChg chg="addSp delSp modSp new mod modTransition modAnim">
-        <pc:chgData name="Ruo Feng Somers" userId="e05789add83f385b" providerId="LiveId" clId="{55FEF0CA-15A7-4B12-8759-94FEFB250766}" dt="2025-01-30T20:07:26.326" v="1136" actId="1076"/>
+        <pc:chgData name="Ruo Feng Somers" userId="e05789add83f385b" providerId="LiveId" clId="{55FEF0CA-15A7-4B12-8759-94FEFB250766}" dt="2025-01-31T11:16:06.111" v="1195" actId="207"/>
         <pc:sldMkLst>
           <pc:docMk/>
           <pc:sldMk cId="97217818" sldId="256"/>
@@ -189,7 +189,7 @@
           </ac:spMkLst>
         </pc:spChg>
         <pc:spChg chg="add mod ord">
-          <ac:chgData name="Ruo Feng Somers" userId="e05789add83f385b" providerId="LiveId" clId="{55FEF0CA-15A7-4B12-8759-94FEFB250766}" dt="2025-01-30T20:07:26.326" v="1136" actId="1076"/>
+          <ac:chgData name="Ruo Feng Somers" userId="e05789add83f385b" providerId="LiveId" clId="{55FEF0CA-15A7-4B12-8759-94FEFB250766}" dt="2025-01-31T11:16:06.111" v="1195" actId="207"/>
           <ac:spMkLst>
             <pc:docMk/>
             <pc:sldMk cId="97217818" sldId="256"/>
@@ -3946,7 +3946,11 @@
           </a:bodyPr>
           <a:lstStyle/>
           <a:p>
-            <a:endParaRPr lang="nl-NL" dirty="0"/>
+            <a:endParaRPr lang="nl-NL" dirty="0">
+              <a:solidFill>
+                <a:srgbClr val="FFE464"/>
+              </a:solidFill>
+            </a:endParaRPr>
           </a:p>
         </p:txBody>
       </p:sp>
@@ -6266,13 +6270,13 @@
   <p:clrMapOvr>
     <a:masterClrMapping/>
   </p:clrMapOvr>
-  <mc:AlternateContent xmlns:mc="http://schemas.openxmlformats.org/markup-compatibility/2006">
-    <mc:Choice xmlns:p14="http://schemas.microsoft.com/office/powerpoint/2010/main" Requires="p14">
+  <mc:AlternateContent xmlns:mc="http://schemas.openxmlformats.org/markup-compatibility/2006" xmlns:p14="http://schemas.microsoft.com/office/powerpoint/2010/main">
+    <mc:Choice Requires="p14">
       <p:transition spd="med" p14:dur="700">
         <p:fade/>
       </p:transition>
     </mc:Choice>
-    <mc:Fallback>
+    <mc:Fallback xmlns="">
       <p:transition spd="med">
         <p:fade/>
       </p:transition>

--- a/How to make money with software.pptx
+++ b/How to make money with software.pptx
@@ -9,8 +9,9 @@
     <p:sldId id="257" r:id="rId3"/>
     <p:sldId id="258" r:id="rId4"/>
     <p:sldId id="259" r:id="rId5"/>
-    <p:sldId id="260" r:id="rId6"/>
-    <p:sldId id="261" r:id="rId7"/>
+    <p:sldId id="262" r:id="rId6"/>
+    <p:sldId id="260" r:id="rId7"/>
+    <p:sldId id="261" r:id="rId8"/>
   </p:sldIdLst>
   <p:sldSz cx="12192000" cy="6858000"/>
   <p:notesSz cx="6858000" cy="9144000"/>
@@ -120,7 +121,7 @@
 <file path=ppt/revisionInfo.xml><?xml version="1.0" encoding="utf-8"?>
 <p1510:revInfo xmlns:a="http://schemas.openxmlformats.org/drawingml/2006/main" xmlns:r="http://schemas.openxmlformats.org/officeDocument/2006/relationships" xmlns:p1510="http://schemas.microsoft.com/office/powerpoint/2015/10/main">
   <p1510:revLst>
-    <p1510:client id="{55FEF0CA-15A7-4B12-8759-94FEFB250766}" v="460" dt="2025-01-30T20:05:51.640"/>
+    <p1510:client id="{55FEF0CA-15A7-4B12-8759-94FEFB250766}" v="471" dt="2025-01-31T12:31:27.185"/>
   </p1510:revLst>
 </p1510:revInfo>
 </file>
@@ -130,12 +131,12 @@
   <pc:docChgLst>
     <pc:chgData name="Ruo Feng Somers" userId="e05789add83f385b" providerId="LiveId" clId="{55FEF0CA-15A7-4B12-8759-94FEFB250766}"/>
     <pc:docChg chg="undo redo custSel addSld delSld modSld sldOrd">
-      <pc:chgData name="Ruo Feng Somers" userId="e05789add83f385b" providerId="LiveId" clId="{55FEF0CA-15A7-4B12-8759-94FEFB250766}" dt="2025-01-31T11:16:06.111" v="1195" actId="207"/>
+      <pc:chgData name="Ruo Feng Somers" userId="e05789add83f385b" providerId="LiveId" clId="{55FEF0CA-15A7-4B12-8759-94FEFB250766}" dt="2025-01-31T12:38:35.464" v="1385"/>
       <pc:docMkLst>
         <pc:docMk/>
       </pc:docMkLst>
       <pc:sldChg chg="addSp delSp modSp new mod modTransition modAnim">
-        <pc:chgData name="Ruo Feng Somers" userId="e05789add83f385b" providerId="LiveId" clId="{55FEF0CA-15A7-4B12-8759-94FEFB250766}" dt="2025-01-31T11:16:06.111" v="1195" actId="207"/>
+        <pc:chgData name="Ruo Feng Somers" userId="e05789add83f385b" providerId="LiveId" clId="{55FEF0CA-15A7-4B12-8759-94FEFB250766}" dt="2025-01-31T12:14:18.339" v="1268" actId="962"/>
         <pc:sldMkLst>
           <pc:docMk/>
           <pc:sldMk cId="97217818" sldId="256"/>
@@ -196,6 +197,14 @@
             <ac:spMk id="8" creationId="{F1A97119-1CBC-C598-9A6E-0643653E1AFE}"/>
           </ac:spMkLst>
         </pc:spChg>
+        <pc:picChg chg="add mod">
+          <ac:chgData name="Ruo Feng Somers" userId="e05789add83f385b" providerId="LiveId" clId="{55FEF0CA-15A7-4B12-8759-94FEFB250766}" dt="2025-01-31T12:14:18.339" v="1268" actId="962"/>
+          <ac:picMkLst>
+            <pc:docMk/>
+            <pc:sldMk cId="97217818" sldId="256"/>
+            <ac:picMk id="4" creationId="{4A10238E-7CFD-558F-64AC-9338BDD890F4}"/>
+          </ac:picMkLst>
+        </pc:picChg>
         <pc:picChg chg="add del mod">
           <ac:chgData name="Ruo Feng Somers" userId="e05789add83f385b" providerId="LiveId" clId="{55FEF0CA-15A7-4B12-8759-94FEFB250766}" dt="2025-01-30T20:05:36.285" v="1121" actId="478"/>
           <ac:picMkLst>
@@ -204,8 +213,8 @@
             <ac:picMk id="5" creationId="{62BE5348-FB7E-ED3B-549E-9AF570A60CE6}"/>
           </ac:picMkLst>
         </pc:picChg>
-        <pc:picChg chg="add mod">
-          <ac:chgData name="Ruo Feng Somers" userId="e05789add83f385b" providerId="LiveId" clId="{55FEF0CA-15A7-4B12-8759-94FEFB250766}" dt="2025-01-30T20:05:38.642" v="1124" actId="962"/>
+        <pc:picChg chg="add del mod">
+          <ac:chgData name="Ruo Feng Somers" userId="e05789add83f385b" providerId="LiveId" clId="{55FEF0CA-15A7-4B12-8759-94FEFB250766}" dt="2025-01-31T12:14:16.281" v="1265" actId="478"/>
           <ac:picMkLst>
             <pc:docMk/>
             <pc:sldMk cId="97217818" sldId="256"/>
@@ -214,7 +223,7 @@
         </pc:picChg>
       </pc:sldChg>
       <pc:sldChg chg="addSp delSp modSp add mod modTransition modAnim">
-        <pc:chgData name="Ruo Feng Somers" userId="e05789add83f385b" providerId="LiveId" clId="{55FEF0CA-15A7-4B12-8759-94FEFB250766}" dt="2025-01-30T20:05:31.265" v="1120" actId="14100"/>
+        <pc:chgData name="Ruo Feng Somers" userId="e05789add83f385b" providerId="LiveId" clId="{55FEF0CA-15A7-4B12-8759-94FEFB250766}" dt="2025-01-31T12:14:09.727" v="1264" actId="962"/>
         <pc:sldMkLst>
           <pc:docMk/>
           <pc:sldMk cId="482412586" sldId="257"/>
@@ -316,6 +325,14 @@
           </ac:graphicFrameMkLst>
         </pc:graphicFrameChg>
         <pc:picChg chg="add mod">
+          <ac:chgData name="Ruo Feng Somers" userId="e05789add83f385b" providerId="LiveId" clId="{55FEF0CA-15A7-4B12-8759-94FEFB250766}" dt="2025-01-31T12:14:09.727" v="1264" actId="962"/>
+          <ac:picMkLst>
+            <pc:docMk/>
+            <pc:sldMk cId="482412586" sldId="257"/>
+            <ac:picMk id="5" creationId="{99B8DF12-E54F-7A6B-0CF3-CF4EC8BA359C}"/>
+          </ac:picMkLst>
+        </pc:picChg>
+        <pc:picChg chg="add mod">
           <ac:chgData name="Ruo Feng Somers" userId="e05789add83f385b" providerId="LiveId" clId="{55FEF0CA-15A7-4B12-8759-94FEFB250766}" dt="2025-01-30T19:41:16.083" v="784" actId="931"/>
           <ac:picMkLst>
             <pc:docMk/>
@@ -331,8 +348,8 @@
             <ac:picMk id="16" creationId="{A1F7396E-5374-A564-44FE-F7998A5549EB}"/>
           </ac:picMkLst>
         </pc:picChg>
-        <pc:picChg chg="add mod">
-          <ac:chgData name="Ruo Feng Somers" userId="e05789add83f385b" providerId="LiveId" clId="{55FEF0CA-15A7-4B12-8759-94FEFB250766}" dt="2025-01-30T20:05:31.265" v="1120" actId="14100"/>
+        <pc:picChg chg="add del mod">
+          <ac:chgData name="Ruo Feng Somers" userId="e05789add83f385b" providerId="LiveId" clId="{55FEF0CA-15A7-4B12-8759-94FEFB250766}" dt="2025-01-31T12:14:07.327" v="1261" actId="478"/>
           <ac:picMkLst>
             <pc:docMk/>
             <pc:sldMk cId="482412586" sldId="257"/>
@@ -481,13 +498,13 @@
         </pc:sldMkLst>
       </pc:sldChg>
       <pc:sldChg chg="addSp delSp modSp add mod ord modTransition delAnim">
-        <pc:chgData name="Ruo Feng Somers" userId="e05789add83f385b" providerId="LiveId" clId="{55FEF0CA-15A7-4B12-8759-94FEFB250766}" dt="2025-01-30T20:05:48.595" v="1130" actId="962"/>
+        <pc:chgData name="Ruo Feng Somers" userId="e05789add83f385b" providerId="LiveId" clId="{55FEF0CA-15A7-4B12-8759-94FEFB250766}" dt="2025-01-31T12:38:35.464" v="1385"/>
         <pc:sldMkLst>
           <pc:docMk/>
           <pc:sldMk cId="122248223" sldId="259"/>
         </pc:sldMkLst>
         <pc:spChg chg="mod">
-          <ac:chgData name="Ruo Feng Somers" userId="e05789add83f385b" providerId="LiveId" clId="{55FEF0CA-15A7-4B12-8759-94FEFB250766}" dt="2025-01-30T20:01:36.739" v="1077" actId="207"/>
+          <ac:chgData name="Ruo Feng Somers" userId="e05789add83f385b" providerId="LiveId" clId="{55FEF0CA-15A7-4B12-8759-94FEFB250766}" dt="2025-01-31T12:36:33.431" v="1355" actId="1076"/>
           <ac:spMkLst>
             <pc:docMk/>
             <pc:sldMk cId="122248223" sldId="259"/>
@@ -500,6 +517,14 @@
             <pc:docMk/>
             <pc:sldMk cId="122248223" sldId="259"/>
             <ac:spMk id="3" creationId="{1CA2DFE5-F899-2944-1C57-704A63EDDD27}"/>
+          </ac:spMkLst>
+        </pc:spChg>
+        <pc:spChg chg="mod">
+          <ac:chgData name="Ruo Feng Somers" userId="e05789add83f385b" providerId="LiveId" clId="{55FEF0CA-15A7-4B12-8759-94FEFB250766}" dt="2025-01-31T12:38:33.087" v="1380" actId="14100"/>
+          <ac:spMkLst>
+            <pc:docMk/>
+            <pc:sldMk cId="122248223" sldId="259"/>
+            <ac:spMk id="4" creationId="{B780F222-2014-68B0-FAF7-7B6EB53F4E83}"/>
           </ac:spMkLst>
         </pc:spChg>
         <pc:spChg chg="del">
@@ -518,6 +543,30 @@
             <ac:spMk id="8" creationId="{05ED0764-0DDC-F74A-5E63-AA37EFCC8FCF}"/>
           </ac:spMkLst>
         </pc:spChg>
+        <pc:spChg chg="add del">
+          <ac:chgData name="Ruo Feng Somers" userId="e05789add83f385b" providerId="LiveId" clId="{55FEF0CA-15A7-4B12-8759-94FEFB250766}" dt="2025-01-31T12:17:16.623" v="1282" actId="22"/>
+          <ac:spMkLst>
+            <pc:docMk/>
+            <pc:sldMk cId="122248223" sldId="259"/>
+            <ac:spMk id="8" creationId="{D0004660-EA19-BE0B-23C0-390B55D2BFB3}"/>
+          </ac:spMkLst>
+        </pc:spChg>
+        <pc:spChg chg="add del mod">
+          <ac:chgData name="Ruo Feng Somers" userId="e05789add83f385b" providerId="LiveId" clId="{55FEF0CA-15A7-4B12-8759-94FEFB250766}" dt="2025-01-31T12:19:20.299" v="1297" actId="478"/>
+          <ac:spMkLst>
+            <pc:docMk/>
+            <pc:sldMk cId="122248223" sldId="259"/>
+            <ac:spMk id="9" creationId="{CD935595-DB0E-1D70-8980-2A99A312989D}"/>
+          </ac:spMkLst>
+        </pc:spChg>
+        <pc:spChg chg="add mod ord">
+          <ac:chgData name="Ruo Feng Somers" userId="e05789add83f385b" providerId="LiveId" clId="{55FEF0CA-15A7-4B12-8759-94FEFB250766}" dt="2025-01-31T12:38:35.464" v="1385"/>
+          <ac:spMkLst>
+            <pc:docMk/>
+            <pc:sldMk cId="122248223" sldId="259"/>
+            <ac:spMk id="10" creationId="{1DFEE081-31CE-4EA4-A9E2-E1EE023BB8ED}"/>
+          </ac:spMkLst>
+        </pc:spChg>
         <pc:spChg chg="del">
           <ac:chgData name="Ruo Feng Somers" userId="e05789add83f385b" providerId="LiveId" clId="{55FEF0CA-15A7-4B12-8759-94FEFB250766}" dt="2025-01-30T20:01:26.229" v="1069" actId="478"/>
           <ac:spMkLst>
@@ -527,7 +576,15 @@
           </ac:spMkLst>
         </pc:spChg>
         <pc:picChg chg="add mod">
-          <ac:chgData name="Ruo Feng Somers" userId="e05789add83f385b" providerId="LiveId" clId="{55FEF0CA-15A7-4B12-8759-94FEFB250766}" dt="2025-01-30T20:05:48.595" v="1130" actId="962"/>
+          <ac:chgData name="Ruo Feng Somers" userId="e05789add83f385b" providerId="LiveId" clId="{55FEF0CA-15A7-4B12-8759-94FEFB250766}" dt="2025-01-31T12:32:49.965" v="1323" actId="1076"/>
+          <ac:picMkLst>
+            <pc:docMk/>
+            <pc:sldMk cId="122248223" sldId="259"/>
+            <ac:picMk id="3" creationId="{F9978B46-6655-A512-48F1-3120911261A5}"/>
+          </ac:picMkLst>
+        </pc:picChg>
+        <pc:picChg chg="add del mod">
+          <ac:chgData name="Ruo Feng Somers" userId="e05789add83f385b" providerId="LiveId" clId="{55FEF0CA-15A7-4B12-8759-94FEFB250766}" dt="2025-01-31T12:14:22.524" v="1269" actId="478"/>
           <ac:picMkLst>
             <pc:docMk/>
             <pc:sldMk cId="122248223" sldId="259"/>
@@ -549,8 +606,8 @@
           <pc:sldMk cId="3463167982" sldId="259"/>
         </pc:sldMkLst>
       </pc:sldChg>
-      <pc:sldChg chg="addSp modSp add mod modTransition">
-        <pc:chgData name="Ruo Feng Somers" userId="e05789add83f385b" providerId="LiveId" clId="{55FEF0CA-15A7-4B12-8759-94FEFB250766}" dt="2025-01-30T20:05:54.129" v="1133" actId="962"/>
+      <pc:sldChg chg="addSp delSp modSp add mod modTransition">
+        <pc:chgData name="Ruo Feng Somers" userId="e05789add83f385b" providerId="LiveId" clId="{55FEF0CA-15A7-4B12-8759-94FEFB250766}" dt="2025-01-31T12:14:30.064" v="1274"/>
         <pc:sldMkLst>
           <pc:docMk/>
           <pc:sldMk cId="3546818733" sldId="260"/>
@@ -563,12 +620,20 @@
             <ac:spMk id="2" creationId="{5E301BAE-9ACF-0F34-E82E-C1D4B45899E8}"/>
           </ac:spMkLst>
         </pc:spChg>
-        <pc:picChg chg="add mod">
-          <ac:chgData name="Ruo Feng Somers" userId="e05789add83f385b" providerId="LiveId" clId="{55FEF0CA-15A7-4B12-8759-94FEFB250766}" dt="2025-01-30T20:05:54.129" v="1133" actId="962"/>
+        <pc:picChg chg="add del mod">
+          <ac:chgData name="Ruo Feng Somers" userId="e05789add83f385b" providerId="LiveId" clId="{55FEF0CA-15A7-4B12-8759-94FEFB250766}" dt="2025-01-31T12:14:29.367" v="1273" actId="478"/>
           <ac:picMkLst>
             <pc:docMk/>
             <pc:sldMk cId="3546818733" sldId="260"/>
             <ac:picMk id="3" creationId="{87F6E431-E8D3-B7EC-0E01-4B889DC37E8F}"/>
+          </ac:picMkLst>
+        </pc:picChg>
+        <pc:picChg chg="add mod">
+          <ac:chgData name="Ruo Feng Somers" userId="e05789add83f385b" providerId="LiveId" clId="{55FEF0CA-15A7-4B12-8759-94FEFB250766}" dt="2025-01-31T12:14:30.064" v="1274"/>
+          <ac:picMkLst>
+            <pc:docMk/>
+            <pc:sldMk cId="3546818733" sldId="260"/>
+            <ac:picMk id="5" creationId="{1EFC7BC5-DF32-5A1B-71E5-9A854D7A2F08}"/>
           </ac:picMkLst>
         </pc:picChg>
       </pc:sldChg>
@@ -579,20 +644,66 @@
           <pc:sldMk cId="241298084" sldId="261"/>
         </pc:sldMkLst>
       </pc:sldChg>
-      <pc:sldChg chg="modSp add mod">
-        <pc:chgData name="Ruo Feng Somers" userId="e05789add83f385b" providerId="LiveId" clId="{55FEF0CA-15A7-4B12-8759-94FEFB250766}" dt="2025-01-31T08:08:55.148" v="1194" actId="20577"/>
+      <pc:sldChg chg="addSp delSp modSp add mod">
+        <pc:chgData name="Ruo Feng Somers" userId="e05789add83f385b" providerId="LiveId" clId="{55FEF0CA-15A7-4B12-8759-94FEFB250766}" dt="2025-01-31T12:15:04.865" v="1280" actId="20577"/>
         <pc:sldMkLst>
           <pc:docMk/>
           <pc:sldMk cId="4140527961" sldId="261"/>
         </pc:sldMkLst>
         <pc:spChg chg="mod">
-          <ac:chgData name="Ruo Feng Somers" userId="e05789add83f385b" providerId="LiveId" clId="{55FEF0CA-15A7-4B12-8759-94FEFB250766}" dt="2025-01-31T08:08:55.148" v="1194" actId="20577"/>
+          <ac:chgData name="Ruo Feng Somers" userId="e05789add83f385b" providerId="LiveId" clId="{55FEF0CA-15A7-4B12-8759-94FEFB250766}" dt="2025-01-31T12:15:04.865" v="1280" actId="20577"/>
           <ac:spMkLst>
             <pc:docMk/>
             <pc:sldMk cId="4140527961" sldId="261"/>
             <ac:spMk id="2" creationId="{7096C5D2-FF7E-AEAF-0E86-E3FF579BB595}"/>
           </ac:spMkLst>
         </pc:spChg>
+        <pc:picChg chg="del">
+          <ac:chgData name="Ruo Feng Somers" userId="e05789add83f385b" providerId="LiveId" clId="{55FEF0CA-15A7-4B12-8759-94FEFB250766}" dt="2025-01-31T12:14:33.942" v="1275" actId="478"/>
+          <ac:picMkLst>
+            <pc:docMk/>
+            <pc:sldMk cId="4140527961" sldId="261"/>
+            <ac:picMk id="3" creationId="{5680E5F1-28B4-81A3-641B-A60CF9F6C915}"/>
+          </ac:picMkLst>
+        </pc:picChg>
+        <pc:picChg chg="add mod">
+          <ac:chgData name="Ruo Feng Somers" userId="e05789add83f385b" providerId="LiveId" clId="{55FEF0CA-15A7-4B12-8759-94FEFB250766}" dt="2025-01-31T12:14:34.480" v="1276"/>
+          <ac:picMkLst>
+            <pc:docMk/>
+            <pc:sldMk cId="4140527961" sldId="261"/>
+            <ac:picMk id="5" creationId="{36379C72-09E5-82FE-E78C-54CA4632E43C}"/>
+          </ac:picMkLst>
+        </pc:picChg>
+      </pc:sldChg>
+      <pc:sldChg chg="new del">
+        <pc:chgData name="Ruo Feng Somers" userId="e05789add83f385b" providerId="LiveId" clId="{55FEF0CA-15A7-4B12-8759-94FEFB250766}" dt="2025-01-31T12:13:11.116" v="1197" actId="680"/>
+        <pc:sldMkLst>
+          <pc:docMk/>
+          <pc:sldMk cId="2999001409" sldId="262"/>
+        </pc:sldMkLst>
+      </pc:sldChg>
+      <pc:sldChg chg="modSp add mod">
+        <pc:chgData name="Ruo Feng Somers" userId="e05789add83f385b" providerId="LiveId" clId="{55FEF0CA-15A7-4B12-8759-94FEFB250766}" dt="2025-01-31T12:14:00.045" v="1260" actId="14100"/>
+        <pc:sldMkLst>
+          <pc:docMk/>
+          <pc:sldMk cId="3834494256" sldId="262"/>
+        </pc:sldMkLst>
+        <pc:spChg chg="mod">
+          <ac:chgData name="Ruo Feng Somers" userId="e05789add83f385b" providerId="LiveId" clId="{55FEF0CA-15A7-4B12-8759-94FEFB250766}" dt="2025-01-31T12:13:54.948" v="1259" actId="1076"/>
+          <ac:spMkLst>
+            <pc:docMk/>
+            <pc:sldMk cId="3834494256" sldId="262"/>
+            <ac:spMk id="2" creationId="{86534C7A-A3CE-14FE-1D1B-F3074A928766}"/>
+          </ac:spMkLst>
+        </pc:spChg>
+        <pc:picChg chg="mod">
+          <ac:chgData name="Ruo Feng Somers" userId="e05789add83f385b" providerId="LiveId" clId="{55FEF0CA-15A7-4B12-8759-94FEFB250766}" dt="2025-01-31T12:14:00.045" v="1260" actId="14100"/>
+          <ac:picMkLst>
+            <pc:docMk/>
+            <pc:sldMk cId="3834494256" sldId="262"/>
+            <ac:picMk id="5" creationId="{23A5A6DD-6A08-87BC-9FE4-9774A790320E}"/>
+          </ac:picMkLst>
+        </pc:picChg>
       </pc:sldChg>
     </pc:docChg>
   </pc:docChgLst>
@@ -4047,10 +4158,10 @@
       </p:sp>
       <p:pic>
         <p:nvPicPr>
-          <p:cNvPr id="7" name="Afbeelding 6" descr="Afbeelding met Lettertype, logo, Graphics, symbool">
-            <a:extLst>
-              <a:ext uri="{FF2B5EF4-FFF2-40B4-BE49-F238E27FC236}">
-                <a16:creationId xmlns:a16="http://schemas.microsoft.com/office/drawing/2014/main" id="{CA3CC111-7370-09D1-2073-7FDF125A8998}"/>
+          <p:cNvPr id="4" name="Afbeelding 3" descr="Afbeelding met Lettertype, logo, Graphics, symbool">
+            <a:extLst>
+              <a:ext uri="{FF2B5EF4-FFF2-40B4-BE49-F238E27FC236}">
+                <a16:creationId xmlns:a16="http://schemas.microsoft.com/office/drawing/2014/main" id="{4A10238E-7CFD-558F-64AC-9338BDD890F4}"/>
               </a:ext>
             </a:extLst>
           </p:cNvPr>
@@ -4073,8 +4184,8 @@
         </p:blipFill>
         <p:spPr>
           <a:xfrm>
-            <a:off x="8604659" y="331667"/>
-            <a:ext cx="3347207" cy="1352332"/>
+            <a:off x="8731045" y="331667"/>
+            <a:ext cx="3220821" cy="1301270"/>
           </a:xfrm>
           <a:prstGeom prst="rect">
             <a:avLst/>
@@ -4562,10 +4673,10 @@
       </p:sp>
       <p:pic>
         <p:nvPicPr>
-          <p:cNvPr id="17" name="Afbeelding 16" descr="Afbeelding met Lettertype, logo, Graphics, symbool&#10;&#10;Automatisch gegenereerde beschrijving">
-            <a:extLst>
-              <a:ext uri="{FF2B5EF4-FFF2-40B4-BE49-F238E27FC236}">
-                <a16:creationId xmlns:a16="http://schemas.microsoft.com/office/drawing/2014/main" id="{62BE5348-FB7E-ED3B-549E-9AF570A60CE6}"/>
+          <p:cNvPr id="5" name="Afbeelding 4" descr="Afbeelding met Lettertype, logo, Graphics, symbool">
+            <a:extLst>
+              <a:ext uri="{FF2B5EF4-FFF2-40B4-BE49-F238E27FC236}">
+                <a16:creationId xmlns:a16="http://schemas.microsoft.com/office/drawing/2014/main" id="{99B8DF12-E54F-7A6B-0CF3-CF4EC8BA359C}"/>
               </a:ext>
             </a:extLst>
           </p:cNvPr>
@@ -4588,8 +4699,8 @@
         </p:blipFill>
         <p:spPr>
           <a:xfrm>
-            <a:off x="8604659" y="331667"/>
-            <a:ext cx="3347207" cy="1352332"/>
+            <a:off x="8731045" y="331667"/>
+            <a:ext cx="3220821" cy="1301270"/>
           </a:xfrm>
           <a:prstGeom prst="rect">
             <a:avLst/>
@@ -5727,10 +5838,10 @@
       </p:sp>
       <p:pic>
         <p:nvPicPr>
-          <p:cNvPr id="5" name="Afbeelding 4" descr="Afbeelding met Lettertype, logo, Graphics, symbool">
-            <a:extLst>
-              <a:ext uri="{FF2B5EF4-FFF2-40B4-BE49-F238E27FC236}">
-                <a16:creationId xmlns:a16="http://schemas.microsoft.com/office/drawing/2014/main" id="{982A1F85-160C-3D1F-AAAC-B6CA2F165533}"/>
+          <p:cNvPr id="3" name="Afbeelding 2" descr="Afbeelding met Lettertype, logo, Graphics, symbool">
+            <a:extLst>
+              <a:ext uri="{FF2B5EF4-FFF2-40B4-BE49-F238E27FC236}">
+                <a16:creationId xmlns:a16="http://schemas.microsoft.com/office/drawing/2014/main" id="{F9978B46-6655-A512-48F1-3120911261A5}"/>
               </a:ext>
             </a:extLst>
           </p:cNvPr>
@@ -5753,14 +5864,46 @@
         </p:blipFill>
         <p:spPr>
           <a:xfrm>
-            <a:off x="8604659" y="331667"/>
-            <a:ext cx="3347207" cy="1352332"/>
+            <a:off x="8731045" y="331667"/>
+            <a:ext cx="3220821" cy="1301270"/>
           </a:xfrm>
           <a:prstGeom prst="rect">
             <a:avLst/>
           </a:prstGeom>
         </p:spPr>
       </p:pic>
+      <p:sp>
+        <p:nvSpPr>
+          <p:cNvPr id="10" name="Tekstvak 9">
+            <a:extLst>
+              <a:ext uri="{FF2B5EF4-FFF2-40B4-BE49-F238E27FC236}">
+                <a16:creationId xmlns:a16="http://schemas.microsoft.com/office/drawing/2014/main" id="{1DFEE081-31CE-4EA4-A9E2-E1EE023BB8ED}"/>
+              </a:ext>
+            </a:extLst>
+          </p:cNvPr>
+          <p:cNvSpPr txBox="1"/>
+          <p:nvPr/>
+        </p:nvSpPr>
+        <p:spPr>
+          <a:xfrm>
+            <a:off x="3528905" y="2387600"/>
+            <a:ext cx="5299587" cy="2949678"/>
+          </a:xfrm>
+          <a:prstGeom prst="rect">
+            <a:avLst/>
+          </a:prstGeom>
+          <a:noFill/>
+        </p:spPr>
+        <p:txBody>
+          <a:bodyPr wrap="square" rtlCol="0">
+            <a:spAutoFit/>
+          </a:bodyPr>
+          <a:lstStyle/>
+          <a:p>
+            <a:endParaRPr lang="nl-NL" dirty="0"/>
+          </a:p>
+        </p:txBody>
+      </p:sp>
     </p:spTree>
     <p:extLst>
       <p:ext uri="{BB962C8B-B14F-4D97-AF65-F5344CB8AC3E}">
@@ -5794,7 +5937,7 @@
         <p:cNvPr id="1" name="">
           <a:extLst>
             <a:ext uri="{FF2B5EF4-FFF2-40B4-BE49-F238E27FC236}">
-              <a16:creationId xmlns:a16="http://schemas.microsoft.com/office/drawing/2014/main" id="{9752CB4E-9ACB-6A38-5CBA-764D6ED2254D}"/>
+              <a16:creationId xmlns:a16="http://schemas.microsoft.com/office/drawing/2014/main" id="{72C00DBF-7836-8F07-AFBA-20449C8C341A}"/>
             </a:ext>
           </a:extLst>
         </p:cNvPr>
@@ -5814,7 +5957,7 @@
           <p:cNvPr id="6" name="Right Triangle 5">
             <a:extLst>
               <a:ext uri="{FF2B5EF4-FFF2-40B4-BE49-F238E27FC236}">
-                <a16:creationId xmlns:a16="http://schemas.microsoft.com/office/drawing/2014/main" id="{7C4F66D9-6442-5AA1-9B22-5786DB5BB5E8}"/>
+                <a16:creationId xmlns:a16="http://schemas.microsoft.com/office/drawing/2014/main" id="{D7E39BAA-E680-8EAF-7941-0180499A59DE}"/>
               </a:ext>
             </a:extLst>
           </p:cNvPr>
@@ -5872,7 +6015,7 @@
           <p:cNvPr id="2" name="Title 1">
             <a:extLst>
               <a:ext uri="{FF2B5EF4-FFF2-40B4-BE49-F238E27FC236}">
-                <a16:creationId xmlns:a16="http://schemas.microsoft.com/office/drawing/2014/main" id="{5E301BAE-9ACF-0F34-E82E-C1D4B45899E8}"/>
+                <a16:creationId xmlns:a16="http://schemas.microsoft.com/office/drawing/2014/main" id="{86534C7A-A3CE-14FE-1D1B-F3074A928766}"/>
               </a:ext>
             </a:extLst>
           </p:cNvPr>
@@ -5896,11 +6039,13 @@
           <a:lstStyle/>
           <a:p>
             <a:r>
-              <a:rPr lang="nl-NL" b="1" i="0" noProof="0" dirty="0">
-                <a:effectLst/>
+              <a:rPr lang="nl-NL" b="1" dirty="0">
+                <a:solidFill>
+                  <a:srgbClr val="333333"/>
+                </a:solidFill>
                 <a:latin typeface="Lato" panose="020F0502020204030203" pitchFamily="34" charset="0"/>
               </a:rPr>
-              <a:t>Demonstratie</a:t>
+              <a:t>Wij zijn trots op</a:t>
             </a:r>
             <a:br>
               <a:rPr lang="en-US" b="1" i="0" dirty="0">
@@ -5920,7 +6065,7 @@
           <p:cNvPr id="4" name="Right Triangle 3">
             <a:extLst>
               <a:ext uri="{FF2B5EF4-FFF2-40B4-BE49-F238E27FC236}">
-                <a16:creationId xmlns:a16="http://schemas.microsoft.com/office/drawing/2014/main" id="{08C815CB-9D79-41E8-99E2-D55C8C623C0D}"/>
+                <a16:creationId xmlns:a16="http://schemas.microsoft.com/office/drawing/2014/main" id="{AF8C038D-37B2-ECAE-0065-5E1182C32733}"/>
               </a:ext>
             </a:extLst>
           </p:cNvPr>
@@ -5975,10 +6120,10 @@
       </p:sp>
       <p:pic>
         <p:nvPicPr>
-          <p:cNvPr id="3" name="Afbeelding 2" descr="Afbeelding met Lettertype, logo, Graphics, symbool">
-            <a:extLst>
-              <a:ext uri="{FF2B5EF4-FFF2-40B4-BE49-F238E27FC236}">
-                <a16:creationId xmlns:a16="http://schemas.microsoft.com/office/drawing/2014/main" id="{87F6E431-E8D3-B7EC-0E01-4B889DC37E8F}"/>
+          <p:cNvPr id="5" name="Afbeelding 4" descr="Afbeelding met Lettertype, logo, Graphics, symbool">
+            <a:extLst>
+              <a:ext uri="{FF2B5EF4-FFF2-40B4-BE49-F238E27FC236}">
+                <a16:creationId xmlns:a16="http://schemas.microsoft.com/office/drawing/2014/main" id="{23A5A6DD-6A08-87BC-9FE4-9774A790320E}"/>
               </a:ext>
             </a:extLst>
           </p:cNvPr>
@@ -6001,8 +6146,8 @@
         </p:blipFill>
         <p:spPr>
           <a:xfrm>
-            <a:off x="8604659" y="331667"/>
-            <a:ext cx="3347207" cy="1352332"/>
+            <a:off x="8731045" y="331667"/>
+            <a:ext cx="3220821" cy="1301270"/>
           </a:xfrm>
           <a:prstGeom prst="rect">
             <a:avLst/>
@@ -6012,20 +6157,20 @@
     </p:spTree>
     <p:extLst>
       <p:ext uri="{BB962C8B-B14F-4D97-AF65-F5344CB8AC3E}">
-        <p14:creationId xmlns:p14="http://schemas.microsoft.com/office/powerpoint/2010/main" val="3546818733"/>
+        <p14:creationId xmlns:p14="http://schemas.microsoft.com/office/powerpoint/2010/main" val="3834494256"/>
       </p:ext>
     </p:extLst>
   </p:cSld>
   <p:clrMapOvr>
     <a:masterClrMapping/>
   </p:clrMapOvr>
-  <mc:AlternateContent xmlns:mc="http://schemas.openxmlformats.org/markup-compatibility/2006" xmlns:p14="http://schemas.microsoft.com/office/powerpoint/2010/main">
-    <mc:Choice Requires="p14">
+  <mc:AlternateContent xmlns:mc="http://schemas.openxmlformats.org/markup-compatibility/2006">
+    <mc:Choice xmlns:p14="http://schemas.microsoft.com/office/powerpoint/2010/main" Requires="p14">
       <p:transition spd="med" p14:dur="700">
         <p:fade/>
       </p:transition>
     </mc:Choice>
-    <mc:Fallback xmlns="">
+    <mc:Fallback>
       <p:transition spd="med">
         <p:fade/>
       </p:transition>
@@ -6042,7 +6187,7 @@
         <p:cNvPr id="1" name="">
           <a:extLst>
             <a:ext uri="{FF2B5EF4-FFF2-40B4-BE49-F238E27FC236}">
-              <a16:creationId xmlns:a16="http://schemas.microsoft.com/office/drawing/2014/main" id="{BCDB5753-4128-EBF0-CD23-22E49691DE10}"/>
+              <a16:creationId xmlns:a16="http://schemas.microsoft.com/office/drawing/2014/main" id="{9752CB4E-9ACB-6A38-5CBA-764D6ED2254D}"/>
             </a:ext>
           </a:extLst>
         </p:cNvPr>
@@ -6062,7 +6207,7 @@
           <p:cNvPr id="6" name="Right Triangle 5">
             <a:extLst>
               <a:ext uri="{FF2B5EF4-FFF2-40B4-BE49-F238E27FC236}">
-                <a16:creationId xmlns:a16="http://schemas.microsoft.com/office/drawing/2014/main" id="{EC8B483F-1976-095F-5AC0-238551A1ED8C}"/>
+                <a16:creationId xmlns:a16="http://schemas.microsoft.com/office/drawing/2014/main" id="{7C4F66D9-6442-5AA1-9B22-5786DB5BB5E8}"/>
               </a:ext>
             </a:extLst>
           </p:cNvPr>
@@ -6120,7 +6265,7 @@
           <p:cNvPr id="2" name="Title 1">
             <a:extLst>
               <a:ext uri="{FF2B5EF4-FFF2-40B4-BE49-F238E27FC236}">
-                <a16:creationId xmlns:a16="http://schemas.microsoft.com/office/drawing/2014/main" id="{7096C5D2-FF7E-AEAF-0E86-E3FF579BB595}"/>
+                <a16:creationId xmlns:a16="http://schemas.microsoft.com/office/drawing/2014/main" id="{5E301BAE-9ACF-0F34-E82E-C1D4B45899E8}"/>
               </a:ext>
             </a:extLst>
           </p:cNvPr>
@@ -6144,14 +6289,11 @@
           <a:lstStyle/>
           <a:p>
             <a:r>
-              <a:rPr lang="en-US" b="1" i="0" dirty="0" err="1">
-                <a:solidFill>
-                  <a:srgbClr val="333333"/>
-                </a:solidFill>
+              <a:rPr lang="nl-NL" b="1" i="0" noProof="0" dirty="0">
                 <a:effectLst/>
                 <a:latin typeface="Lato" panose="020F0502020204030203" pitchFamily="34" charset="0"/>
               </a:rPr>
-              <a:t>Vragen</a:t>
+              <a:t>Demonstratie</a:t>
             </a:r>
             <a:br>
               <a:rPr lang="en-US" b="1" i="0" dirty="0">
@@ -6171,7 +6313,7 @@
           <p:cNvPr id="4" name="Right Triangle 3">
             <a:extLst>
               <a:ext uri="{FF2B5EF4-FFF2-40B4-BE49-F238E27FC236}">
-                <a16:creationId xmlns:a16="http://schemas.microsoft.com/office/drawing/2014/main" id="{376AA422-013F-87BE-DA40-766A2DA5BB9F}"/>
+                <a16:creationId xmlns:a16="http://schemas.microsoft.com/office/drawing/2014/main" id="{08C815CB-9D79-41E8-99E2-D55C8C623C0D}"/>
               </a:ext>
             </a:extLst>
           </p:cNvPr>
@@ -6226,10 +6368,10 @@
       </p:sp>
       <p:pic>
         <p:nvPicPr>
-          <p:cNvPr id="3" name="Afbeelding 2" descr="Afbeelding met Lettertype, logo, Graphics, symbool">
-            <a:extLst>
-              <a:ext uri="{FF2B5EF4-FFF2-40B4-BE49-F238E27FC236}">
-                <a16:creationId xmlns:a16="http://schemas.microsoft.com/office/drawing/2014/main" id="{5680E5F1-28B4-81A3-641B-A60CF9F6C915}"/>
+          <p:cNvPr id="5" name="Afbeelding 4" descr="Afbeelding met Lettertype, logo, Graphics, symbool">
+            <a:extLst>
+              <a:ext uri="{FF2B5EF4-FFF2-40B4-BE49-F238E27FC236}">
+                <a16:creationId xmlns:a16="http://schemas.microsoft.com/office/drawing/2014/main" id="{1EFC7BC5-DF32-5A1B-71E5-9A854D7A2F08}"/>
               </a:ext>
             </a:extLst>
           </p:cNvPr>
@@ -6252,8 +6394,259 @@
         </p:blipFill>
         <p:spPr>
           <a:xfrm>
-            <a:off x="8604659" y="331667"/>
-            <a:ext cx="3347207" cy="1352332"/>
+            <a:off x="8731045" y="331667"/>
+            <a:ext cx="3220821" cy="1301270"/>
+          </a:xfrm>
+          <a:prstGeom prst="rect">
+            <a:avLst/>
+          </a:prstGeom>
+        </p:spPr>
+      </p:pic>
+    </p:spTree>
+    <p:extLst>
+      <p:ext uri="{BB962C8B-B14F-4D97-AF65-F5344CB8AC3E}">
+        <p14:creationId xmlns:p14="http://schemas.microsoft.com/office/powerpoint/2010/main" val="3546818733"/>
+      </p:ext>
+    </p:extLst>
+  </p:cSld>
+  <p:clrMapOvr>
+    <a:masterClrMapping/>
+  </p:clrMapOvr>
+  <mc:AlternateContent xmlns:mc="http://schemas.openxmlformats.org/markup-compatibility/2006" xmlns:p14="http://schemas.microsoft.com/office/powerpoint/2010/main">
+    <mc:Choice Requires="p14">
+      <p:transition spd="med" p14:dur="700">
+        <p:fade/>
+      </p:transition>
+    </mc:Choice>
+    <mc:Fallback xmlns="">
+      <p:transition spd="med">
+        <p:fade/>
+      </p:transition>
+    </mc:Fallback>
+  </mc:AlternateContent>
+</p:sld>
+</file>
+
+<file path=ppt/slides/slide7.xml><?xml version="1.0" encoding="utf-8"?>
+<p:sld xmlns:a="http://schemas.openxmlformats.org/drawingml/2006/main" xmlns:r="http://schemas.openxmlformats.org/officeDocument/2006/relationships" xmlns:p="http://schemas.openxmlformats.org/presentationml/2006/main">
+  <p:cSld>
+    <p:spTree>
+      <p:nvGrpSpPr>
+        <p:cNvPr id="1" name="">
+          <a:extLst>
+            <a:ext uri="{FF2B5EF4-FFF2-40B4-BE49-F238E27FC236}">
+              <a16:creationId xmlns:a16="http://schemas.microsoft.com/office/drawing/2014/main" id="{BCDB5753-4128-EBF0-CD23-22E49691DE10}"/>
+            </a:ext>
+          </a:extLst>
+        </p:cNvPr>
+        <p:cNvGrpSpPr/>
+        <p:nvPr/>
+      </p:nvGrpSpPr>
+      <p:grpSpPr>
+        <a:xfrm>
+          <a:off x="0" y="0"/>
+          <a:ext cx="0" cy="0"/>
+          <a:chOff x="0" y="0"/>
+          <a:chExt cx="0" cy="0"/>
+        </a:xfrm>
+      </p:grpSpPr>
+      <p:sp>
+        <p:nvSpPr>
+          <p:cNvPr id="6" name="Right Triangle 5">
+            <a:extLst>
+              <a:ext uri="{FF2B5EF4-FFF2-40B4-BE49-F238E27FC236}">
+                <a16:creationId xmlns:a16="http://schemas.microsoft.com/office/drawing/2014/main" id="{EC8B483F-1976-095F-5AC0-238551A1ED8C}"/>
+              </a:ext>
+            </a:extLst>
+          </p:cNvPr>
+          <p:cNvSpPr/>
+          <p:nvPr/>
+        </p:nvSpPr>
+        <p:spPr>
+          <a:xfrm flipV="1">
+            <a:off x="0" y="0"/>
+            <a:ext cx="3347207" cy="2387600"/>
+          </a:xfrm>
+          <a:prstGeom prst="rtTriangle">
+            <a:avLst/>
+          </a:prstGeom>
+          <a:solidFill>
+            <a:srgbClr val="3877AA"/>
+          </a:solidFill>
+          <a:ln>
+            <a:solidFill>
+              <a:srgbClr val="3877AA"/>
+            </a:solidFill>
+          </a:ln>
+        </p:spPr>
+        <p:style>
+          <a:lnRef idx="2">
+            <a:schemeClr val="accent1">
+              <a:shade val="15000"/>
+            </a:schemeClr>
+          </a:lnRef>
+          <a:fillRef idx="1">
+            <a:schemeClr val="accent1"/>
+          </a:fillRef>
+          <a:effectRef idx="0">
+            <a:schemeClr val="accent1"/>
+          </a:effectRef>
+          <a:fontRef idx="minor">
+            <a:schemeClr val="lt1"/>
+          </a:fontRef>
+        </p:style>
+        <p:txBody>
+          <a:bodyPr rot="0" spcFirstLastPara="0" vert="horz" wrap="square" lIns="91440" tIns="45720" rIns="91440" bIns="45720" numCol="1" spcCol="0" rtlCol="0" fromWordArt="0" anchor="ctr" anchorCtr="0" forceAA="0" compatLnSpc="1">
+            <a:prstTxWarp prst="textNoShape">
+              <a:avLst/>
+            </a:prstTxWarp>
+            <a:noAutofit/>
+          </a:bodyPr>
+          <a:lstStyle/>
+          <a:p>
+            <a:endParaRPr lang="nl-NL" dirty="0"/>
+          </a:p>
+        </p:txBody>
+      </p:sp>
+      <p:sp>
+        <p:nvSpPr>
+          <p:cNvPr id="2" name="Title 1">
+            <a:extLst>
+              <a:ext uri="{FF2B5EF4-FFF2-40B4-BE49-F238E27FC236}">
+                <a16:creationId xmlns:a16="http://schemas.microsoft.com/office/drawing/2014/main" id="{7096C5D2-FF7E-AEAF-0E86-E3FF579BB595}"/>
+              </a:ext>
+            </a:extLst>
+          </p:cNvPr>
+          <p:cNvSpPr>
+            <a:spLocks noGrp="1"/>
+          </p:cNvSpPr>
+          <p:nvPr>
+            <p:ph type="ctrTitle"/>
+          </p:nvPr>
+        </p:nvSpPr>
+        <p:spPr>
+          <a:xfrm>
+            <a:off x="748496" y="11360"/>
+            <a:ext cx="10363200" cy="2387600"/>
+          </a:xfrm>
+        </p:spPr>
+        <p:txBody>
+          <a:bodyPr>
+            <a:normAutofit/>
+          </a:bodyPr>
+          <a:lstStyle/>
+          <a:p>
+            <a:r>
+              <a:rPr lang="en-US" b="1" i="0" dirty="0" err="1">
+                <a:solidFill>
+                  <a:srgbClr val="333333"/>
+                </a:solidFill>
+                <a:effectLst/>
+                <a:latin typeface="Lato" panose="020F0502020204030203" pitchFamily="34" charset="0"/>
+              </a:rPr>
+              <a:t>Vragen</a:t>
+            </a:r>
+            <a:br>
+              <a:rPr lang="en-US" b="1" i="0" dirty="0">
+                <a:solidFill>
+                  <a:srgbClr val="333333"/>
+                </a:solidFill>
+                <a:effectLst/>
+                <a:latin typeface="Lato" panose="020F0502020204030203" pitchFamily="34" charset="0"/>
+              </a:rPr>
+            </a:br>
+            <a:endParaRPr lang="nl-NL" dirty="0"/>
+          </a:p>
+        </p:txBody>
+      </p:sp>
+      <p:sp>
+        <p:nvSpPr>
+          <p:cNvPr id="4" name="Right Triangle 3">
+            <a:extLst>
+              <a:ext uri="{FF2B5EF4-FFF2-40B4-BE49-F238E27FC236}">
+                <a16:creationId xmlns:a16="http://schemas.microsoft.com/office/drawing/2014/main" id="{376AA422-013F-87BE-DA40-766A2DA5BB9F}"/>
+              </a:ext>
+            </a:extLst>
+          </p:cNvPr>
+          <p:cNvSpPr/>
+          <p:nvPr/>
+        </p:nvSpPr>
+        <p:spPr>
+          <a:xfrm rot="10800000" flipV="1">
+            <a:off x="8828492" y="4470400"/>
+            <a:ext cx="3347207" cy="2387600"/>
+          </a:xfrm>
+          <a:prstGeom prst="rtTriangle">
+            <a:avLst/>
+          </a:prstGeom>
+          <a:solidFill>
+            <a:srgbClr val="FFE464"/>
+          </a:solidFill>
+          <a:ln>
+            <a:solidFill>
+              <a:srgbClr val="FFE464"/>
+            </a:solidFill>
+          </a:ln>
+        </p:spPr>
+        <p:style>
+          <a:lnRef idx="2">
+            <a:schemeClr val="accent1">
+              <a:shade val="15000"/>
+            </a:schemeClr>
+          </a:lnRef>
+          <a:fillRef idx="1">
+            <a:schemeClr val="accent1"/>
+          </a:fillRef>
+          <a:effectRef idx="0">
+            <a:schemeClr val="accent1"/>
+          </a:effectRef>
+          <a:fontRef idx="minor">
+            <a:schemeClr val="lt1"/>
+          </a:fontRef>
+        </p:style>
+        <p:txBody>
+          <a:bodyPr rot="0" spcFirstLastPara="0" vert="horz" wrap="square" lIns="91440" tIns="45720" rIns="91440" bIns="45720" numCol="1" spcCol="0" rtlCol="0" fromWordArt="0" anchor="ctr" anchorCtr="0" forceAA="0" compatLnSpc="1">
+            <a:prstTxWarp prst="textNoShape">
+              <a:avLst/>
+            </a:prstTxWarp>
+            <a:noAutofit/>
+          </a:bodyPr>
+          <a:lstStyle/>
+          <a:p>
+            <a:endParaRPr lang="nl-NL" dirty="0"/>
+          </a:p>
+        </p:txBody>
+      </p:sp>
+      <p:pic>
+        <p:nvPicPr>
+          <p:cNvPr id="5" name="Afbeelding 4" descr="Afbeelding met Lettertype, logo, Graphics, symbool">
+            <a:extLst>
+              <a:ext uri="{FF2B5EF4-FFF2-40B4-BE49-F238E27FC236}">
+                <a16:creationId xmlns:a16="http://schemas.microsoft.com/office/drawing/2014/main" id="{36379C72-09E5-82FE-E78C-54CA4632E43C}"/>
+              </a:ext>
+            </a:extLst>
+          </p:cNvPr>
+          <p:cNvPicPr>
+            <a:picLocks noChangeAspect="1"/>
+          </p:cNvPicPr>
+          <p:nvPr/>
+        </p:nvPicPr>
+        <p:blipFill>
+          <a:blip r:embed="rId2">
+            <a:extLst>
+              <a:ext uri="{28A0092B-C50C-407E-A947-70E740481C1C}">
+                <a14:useLocalDpi xmlns:a14="http://schemas.microsoft.com/office/drawing/2010/main" val="0"/>
+              </a:ext>
+            </a:extLst>
+          </a:blip>
+          <a:stretch>
+            <a:fillRect/>
+          </a:stretch>
+        </p:blipFill>
+        <p:spPr>
+          <a:xfrm>
+            <a:off x="8731045" y="331667"/>
+            <a:ext cx="3220821" cy="1301270"/>
           </a:xfrm>
           <a:prstGeom prst="rect">
             <a:avLst/>

--- a/How to make money with software.pptx
+++ b/How to make money with software.pptx
@@ -4,6 +4,9 @@
   <p:sldMasterIdLst>
     <p:sldMasterId id="2147483648" r:id="rId1"/>
   </p:sldMasterIdLst>
+  <p:notesMasterIdLst>
+    <p:notesMasterId r:id="rId9"/>
+  </p:notesMasterIdLst>
   <p:sldIdLst>
     <p:sldId id="256" r:id="rId2"/>
     <p:sldId id="257" r:id="rId3"/>
@@ -131,7 +134,7 @@
   <pc:docChgLst>
     <pc:chgData name="Ruo Feng Somers" userId="e05789add83f385b" providerId="LiveId" clId="{55FEF0CA-15A7-4B12-8759-94FEFB250766}"/>
     <pc:docChg chg="undo redo custSel addSld delSld modSld sldOrd">
-      <pc:chgData name="Ruo Feng Somers" userId="e05789add83f385b" providerId="LiveId" clId="{55FEF0CA-15A7-4B12-8759-94FEFB250766}" dt="2025-01-31T12:38:35.464" v="1385"/>
+      <pc:chgData name="Ruo Feng Somers" userId="e05789add83f385b" providerId="LiveId" clId="{55FEF0CA-15A7-4B12-8759-94FEFB250766}" dt="2025-02-08T09:25:46.931" v="1410" actId="20577"/>
       <pc:docMkLst>
         <pc:docMk/>
       </pc:docMkLst>
@@ -157,36 +160,12 @@
             <ac:spMk id="3" creationId="{31F96B4D-C142-E794-2BA0-3D481C566B37}"/>
           </ac:spMkLst>
         </pc:spChg>
-        <pc:spChg chg="add del">
-          <ac:chgData name="Ruo Feng Somers" userId="e05789add83f385b" providerId="LiveId" clId="{55FEF0CA-15A7-4B12-8759-94FEFB250766}" dt="2025-01-30T18:54:54.535" v="2" actId="478"/>
-          <ac:spMkLst>
-            <pc:docMk/>
-            <pc:sldMk cId="97217818" sldId="256"/>
-            <ac:spMk id="4" creationId="{136E4C6D-6BE3-606B-4D3B-D8B3DCE258A3}"/>
-          </ac:spMkLst>
-        </pc:spChg>
-        <pc:spChg chg="add mod">
-          <ac:chgData name="Ruo Feng Somers" userId="e05789add83f385b" providerId="LiveId" clId="{55FEF0CA-15A7-4B12-8759-94FEFB250766}" dt="2025-01-30T18:55:21.731" v="4"/>
-          <ac:spMkLst>
-            <pc:docMk/>
-            <pc:sldMk cId="97217818" sldId="256"/>
-            <ac:spMk id="5" creationId="{BE3A085B-A04A-FC3F-1D5C-EEC77C3BB5EB}"/>
-          </ac:spMkLst>
-        </pc:spChg>
         <pc:spChg chg="add mod ord">
           <ac:chgData name="Ruo Feng Somers" userId="e05789add83f385b" providerId="LiveId" clId="{55FEF0CA-15A7-4B12-8759-94FEFB250766}" dt="2025-01-30T19:01:33.049" v="128" actId="1076"/>
           <ac:spMkLst>
             <pc:docMk/>
             <pc:sldMk cId="97217818" sldId="256"/>
             <ac:spMk id="6" creationId="{9DA16D7C-2E53-46BC-1AB4-204F6D0386A4}"/>
-          </ac:spMkLst>
-        </pc:spChg>
-        <pc:spChg chg="add mod">
-          <ac:chgData name="Ruo Feng Somers" userId="e05789add83f385b" providerId="LiveId" clId="{55FEF0CA-15A7-4B12-8759-94FEFB250766}" dt="2025-01-30T18:56:34.339" v="15"/>
-          <ac:spMkLst>
-            <pc:docMk/>
-            <pc:sldMk cId="97217818" sldId="256"/>
-            <ac:spMk id="7" creationId="{F44E0D28-60C0-A195-ED3E-B32D4897C62F}"/>
           </ac:spMkLst>
         </pc:spChg>
         <pc:spChg chg="add mod ord">
@@ -205,22 +184,6 @@
             <ac:picMk id="4" creationId="{4A10238E-7CFD-558F-64AC-9338BDD890F4}"/>
           </ac:picMkLst>
         </pc:picChg>
-        <pc:picChg chg="add del mod">
-          <ac:chgData name="Ruo Feng Somers" userId="e05789add83f385b" providerId="LiveId" clId="{55FEF0CA-15A7-4B12-8759-94FEFB250766}" dt="2025-01-30T20:05:36.285" v="1121" actId="478"/>
-          <ac:picMkLst>
-            <pc:docMk/>
-            <pc:sldMk cId="97217818" sldId="256"/>
-            <ac:picMk id="5" creationId="{62BE5348-FB7E-ED3B-549E-9AF570A60CE6}"/>
-          </ac:picMkLst>
-        </pc:picChg>
-        <pc:picChg chg="add del mod">
-          <ac:chgData name="Ruo Feng Somers" userId="e05789add83f385b" providerId="LiveId" clId="{55FEF0CA-15A7-4B12-8759-94FEFB250766}" dt="2025-01-31T12:14:16.281" v="1265" actId="478"/>
-          <ac:picMkLst>
-            <pc:docMk/>
-            <pc:sldMk cId="97217818" sldId="256"/>
-            <ac:picMk id="7" creationId="{CA3CC111-7370-09D1-2073-7FDF125A8998}"/>
-          </ac:picMkLst>
-        </pc:picChg>
       </pc:sldChg>
       <pc:sldChg chg="addSp delSp modSp add mod modTransition modAnim">
         <pc:chgData name="Ruo Feng Somers" userId="e05789add83f385b" providerId="LiveId" clId="{55FEF0CA-15A7-4B12-8759-94FEFB250766}" dt="2025-01-31T12:14:09.727" v="1264" actId="962"/>
@@ -234,14 +197,6 @@
             <pc:docMk/>
             <pc:sldMk cId="482412586" sldId="257"/>
             <ac:spMk id="2" creationId="{ABADF796-7EB7-AAD2-81BC-76CFFF51CB3F}"/>
-          </ac:spMkLst>
-        </pc:spChg>
-        <pc:spChg chg="del mod">
-          <ac:chgData name="Ruo Feng Somers" userId="e05789add83f385b" providerId="LiveId" clId="{55FEF0CA-15A7-4B12-8759-94FEFB250766}" dt="2025-01-30T19:14:29.392" v="288" actId="478"/>
-          <ac:spMkLst>
-            <pc:docMk/>
-            <pc:sldMk cId="482412586" sldId="257"/>
-            <ac:spMk id="3" creationId="{802C01E3-0AA7-6305-38BC-697A24995FE8}"/>
           </ac:spMkLst>
         </pc:spChg>
         <pc:spChg chg="add mod">
@@ -260,14 +215,6 @@
             <ac:spMk id="4" creationId="{623B7484-2C5C-C66E-3D05-A849EBCDB436}"/>
           </ac:spMkLst>
         </pc:spChg>
-        <pc:spChg chg="add mod">
-          <ac:chgData name="Ruo Feng Somers" userId="e05789add83f385b" providerId="LiveId" clId="{55FEF0CA-15A7-4B12-8759-94FEFB250766}" dt="2025-01-30T19:22:52.301" v="477" actId="368"/>
-          <ac:spMkLst>
-            <pc:docMk/>
-            <pc:sldMk cId="482412586" sldId="257"/>
-            <ac:spMk id="5" creationId="{7D034528-0D0D-B25F-D338-4FDE14FF2302}"/>
-          </ac:spMkLst>
-        </pc:spChg>
         <pc:spChg chg="mod">
           <ac:chgData name="Ruo Feng Somers" userId="e05789add83f385b" providerId="LiveId" clId="{55FEF0CA-15A7-4B12-8759-94FEFB250766}" dt="2025-01-30T19:11:53.546" v="245" actId="14100"/>
           <ac:spMkLst>
@@ -282,14 +229,6 @@
             <pc:docMk/>
             <pc:sldMk cId="482412586" sldId="257"/>
             <ac:spMk id="7" creationId="{71BA70DE-3415-FFA7-35D9-968D4CAEACBD}"/>
-          </ac:spMkLst>
-        </pc:spChg>
-        <pc:spChg chg="del mod">
-          <ac:chgData name="Ruo Feng Somers" userId="e05789add83f385b" providerId="LiveId" clId="{55FEF0CA-15A7-4B12-8759-94FEFB250766}" dt="2025-01-30T19:11:58.746" v="247" actId="478"/>
-          <ac:spMkLst>
-            <pc:docMk/>
-            <pc:sldMk cId="482412586" sldId="257"/>
-            <ac:spMk id="8" creationId="{811A748C-8E0E-BECF-A87D-35EDA55D345D}"/>
           </ac:spMkLst>
         </pc:spChg>
         <pc:spChg chg="add mod">
@@ -308,22 +247,6 @@
             <ac:spMk id="10" creationId="{29321914-AB09-5F81-E5C2-7FBB0DEB5008}"/>
           </ac:spMkLst>
         </pc:spChg>
-        <pc:spChg chg="add del mod">
-          <ac:chgData name="Ruo Feng Somers" userId="e05789add83f385b" providerId="LiveId" clId="{55FEF0CA-15A7-4B12-8759-94FEFB250766}" dt="2025-01-30T19:32:56.966" v="737" actId="478"/>
-          <ac:spMkLst>
-            <pc:docMk/>
-            <pc:sldMk cId="482412586" sldId="257"/>
-            <ac:spMk id="12" creationId="{14E69124-BA07-B17B-CC9A-4354811B5F18}"/>
-          </ac:spMkLst>
-        </pc:spChg>
-        <pc:graphicFrameChg chg="add del mod modGraphic">
-          <ac:chgData name="Ruo Feng Somers" userId="e05789add83f385b" providerId="LiveId" clId="{55FEF0CA-15A7-4B12-8759-94FEFB250766}" dt="2025-01-30T19:16:30.416" v="295" actId="478"/>
-          <ac:graphicFrameMkLst>
-            <pc:docMk/>
-            <pc:sldMk cId="482412586" sldId="257"/>
-            <ac:graphicFrameMk id="5" creationId="{377B1A9B-5BAE-BA42-0043-A8B5EB1CE91A}"/>
-          </ac:graphicFrameMkLst>
-        </pc:graphicFrameChg>
         <pc:picChg chg="add mod">
           <ac:chgData name="Ruo Feng Somers" userId="e05789add83f385b" providerId="LiveId" clId="{55FEF0CA-15A7-4B12-8759-94FEFB250766}" dt="2025-01-31T12:14:09.727" v="1264" actId="962"/>
           <ac:picMkLst>
@@ -332,33 +255,9 @@
             <ac:picMk id="5" creationId="{99B8DF12-E54F-7A6B-0CF3-CF4EC8BA359C}"/>
           </ac:picMkLst>
         </pc:picChg>
-        <pc:picChg chg="add mod">
-          <ac:chgData name="Ruo Feng Somers" userId="e05789add83f385b" providerId="LiveId" clId="{55FEF0CA-15A7-4B12-8759-94FEFB250766}" dt="2025-01-30T19:41:16.083" v="784" actId="931"/>
-          <ac:picMkLst>
-            <pc:docMk/>
-            <pc:sldMk cId="482412586" sldId="257"/>
-            <ac:picMk id="14" creationId="{4DEDE1A4-F2FB-919F-C768-2435C8B1BDDF}"/>
-          </ac:picMkLst>
-        </pc:picChg>
-        <pc:picChg chg="add mod">
-          <ac:chgData name="Ruo Feng Somers" userId="e05789add83f385b" providerId="LiveId" clId="{55FEF0CA-15A7-4B12-8759-94FEFB250766}" dt="2025-01-30T19:41:46.760" v="793" actId="931"/>
-          <ac:picMkLst>
-            <pc:docMk/>
-            <pc:sldMk cId="482412586" sldId="257"/>
-            <ac:picMk id="16" creationId="{A1F7396E-5374-A564-44FE-F7998A5549EB}"/>
-          </ac:picMkLst>
-        </pc:picChg>
-        <pc:picChg chg="add del mod">
-          <ac:chgData name="Ruo Feng Somers" userId="e05789add83f385b" providerId="LiveId" clId="{55FEF0CA-15A7-4B12-8759-94FEFB250766}" dt="2025-01-31T12:14:07.327" v="1261" actId="478"/>
-          <ac:picMkLst>
-            <pc:docMk/>
-            <pc:sldMk cId="482412586" sldId="257"/>
-            <ac:picMk id="17" creationId="{62BE5348-FB7E-ED3B-549E-9AF570A60CE6}"/>
-          </ac:picMkLst>
-        </pc:picChg>
       </pc:sldChg>
-      <pc:sldChg chg="addSp delSp modSp add mod modTransition addAnim delAnim modAnim">
-        <pc:chgData name="Ruo Feng Somers" userId="e05789add83f385b" providerId="LiveId" clId="{55FEF0CA-15A7-4B12-8759-94FEFB250766}" dt="2025-01-30T20:05:44.143" v="1127" actId="962"/>
+      <pc:sldChg chg="addSp delSp modSp add mod modTransition addAnim delAnim modAnim modNotesTx">
+        <pc:chgData name="Ruo Feng Somers" userId="e05789add83f385b" providerId="LiveId" clId="{55FEF0CA-15A7-4B12-8759-94FEFB250766}" dt="2025-02-08T09:25:46.931" v="1410" actId="20577"/>
         <pc:sldMkLst>
           <pc:docMk/>
           <pc:sldMk cId="926558733" sldId="258"/>
@@ -371,14 +270,6 @@
             <ac:spMk id="2" creationId="{DA72455F-3B82-1EBD-CF69-33B999743BA4}"/>
           </ac:spMkLst>
         </pc:spChg>
-        <pc:spChg chg="del">
-          <ac:chgData name="Ruo Feng Somers" userId="e05789add83f385b" providerId="LiveId" clId="{55FEF0CA-15A7-4B12-8759-94FEFB250766}" dt="2025-01-30T19:43:15.422" v="841" actId="478"/>
-          <ac:spMkLst>
-            <pc:docMk/>
-            <pc:sldMk cId="926558733" sldId="258"/>
-            <ac:spMk id="3" creationId="{6DDF16AD-CA3E-2506-D35D-EE7A092E8F15}"/>
-          </ac:spMkLst>
-        </pc:spChg>
         <pc:spChg chg="add mod">
           <ac:chgData name="Ruo Feng Somers" userId="e05789add83f385b" providerId="LiveId" clId="{55FEF0CA-15A7-4B12-8759-94FEFB250766}" dt="2025-01-30T19:54:45.870" v="1031" actId="1076"/>
           <ac:spMkLst>
@@ -387,68 +278,12 @@
             <ac:spMk id="5" creationId="{144DF75E-AE23-B4CB-525C-6FCE0F387DC7}"/>
           </ac:spMkLst>
         </pc:spChg>
-        <pc:spChg chg="del mod">
-          <ac:chgData name="Ruo Feng Somers" userId="e05789add83f385b" providerId="LiveId" clId="{55FEF0CA-15A7-4B12-8759-94FEFB250766}" dt="2025-01-30T19:43:10.860" v="840"/>
-          <ac:spMkLst>
-            <pc:docMk/>
-            <pc:sldMk cId="926558733" sldId="258"/>
-            <ac:spMk id="7" creationId="{9BB216F5-BAE3-BF0B-656B-86D42C01D4E9}"/>
-          </ac:spMkLst>
-        </pc:spChg>
-        <pc:spChg chg="del">
-          <ac:chgData name="Ruo Feng Somers" userId="e05789add83f385b" providerId="LiveId" clId="{55FEF0CA-15A7-4B12-8759-94FEFB250766}" dt="2025-01-30T19:43:15.422" v="841" actId="478"/>
-          <ac:spMkLst>
-            <pc:docMk/>
-            <pc:sldMk cId="926558733" sldId="258"/>
-            <ac:spMk id="8" creationId="{3749FD65-9E5F-A41B-647F-CA9349D2E48C}"/>
-          </ac:spMkLst>
-        </pc:spChg>
-        <pc:spChg chg="add del mod">
-          <ac:chgData name="Ruo Feng Somers" userId="e05789add83f385b" providerId="LiveId" clId="{55FEF0CA-15A7-4B12-8759-94FEFB250766}" dt="2025-01-30T20:00:15.646" v="1051" actId="478"/>
-          <ac:spMkLst>
-            <pc:docMk/>
-            <pc:sldMk cId="926558733" sldId="258"/>
-            <ac:spMk id="9" creationId="{0BF619E1-E631-17A3-5575-BA5D0F5411C6}"/>
-          </ac:spMkLst>
-        </pc:spChg>
-        <pc:spChg chg="del mod">
-          <ac:chgData name="Ruo Feng Somers" userId="e05789add83f385b" providerId="LiveId" clId="{55FEF0CA-15A7-4B12-8759-94FEFB250766}" dt="2025-01-30T19:43:26.152" v="844" actId="478"/>
-          <ac:spMkLst>
-            <pc:docMk/>
-            <pc:sldMk cId="926558733" sldId="258"/>
-            <ac:spMk id="10" creationId="{CA0CA11B-686C-C76A-815A-529B55A31E02}"/>
-          </ac:spMkLst>
-        </pc:spChg>
         <pc:spChg chg="add del mod">
           <ac:chgData name="Ruo Feng Somers" userId="e05789add83f385b" providerId="LiveId" clId="{55FEF0CA-15A7-4B12-8759-94FEFB250766}" dt="2025-01-30T20:00:52.748" v="1063" actId="1076"/>
           <ac:spMkLst>
             <pc:docMk/>
             <pc:sldMk cId="926558733" sldId="258"/>
             <ac:spMk id="11" creationId="{FB30BA7F-BEF4-AEA6-C60C-7A0FD3F1C82A}"/>
-          </ac:spMkLst>
-        </pc:spChg>
-        <pc:spChg chg="add del mod">
-          <ac:chgData name="Ruo Feng Somers" userId="e05789add83f385b" providerId="LiveId" clId="{55FEF0CA-15A7-4B12-8759-94FEFB250766}" dt="2025-01-30T19:46:21.403" v="906" actId="478"/>
-          <ac:spMkLst>
-            <pc:docMk/>
-            <pc:sldMk cId="926558733" sldId="258"/>
-            <ac:spMk id="12" creationId="{D2814854-8A59-DD8F-8272-C65FAA16846F}"/>
-          </ac:spMkLst>
-        </pc:spChg>
-        <pc:spChg chg="add del mod">
-          <ac:chgData name="Ruo Feng Somers" userId="e05789add83f385b" providerId="LiveId" clId="{55FEF0CA-15A7-4B12-8759-94FEFB250766}" dt="2025-01-30T19:47:29.214" v="918" actId="11529"/>
-          <ac:spMkLst>
-            <pc:docMk/>
-            <pc:sldMk cId="926558733" sldId="258"/>
-            <ac:spMk id="13" creationId="{E9B288E9-453C-4311-F18B-0EDD4F84F6E9}"/>
-          </ac:spMkLst>
-        </pc:spChg>
-        <pc:spChg chg="add del mod">
-          <ac:chgData name="Ruo Feng Somers" userId="e05789add83f385b" providerId="LiveId" clId="{55FEF0CA-15A7-4B12-8759-94FEFB250766}" dt="2025-01-30T19:53:10.312" v="1017" actId="478"/>
-          <ac:spMkLst>
-            <pc:docMk/>
-            <pc:sldMk cId="926558733" sldId="258"/>
-            <ac:spMk id="14" creationId="{AA62AF4F-2112-EFD9-D3D9-2DF54C3EBFBC}"/>
           </ac:spMkLst>
         </pc:spChg>
         <pc:spChg chg="add mod">
@@ -481,14 +316,6 @@
           <pc:docMk/>
           <pc:sldMk cId="3952367604" sldId="258"/>
         </pc:sldMkLst>
-        <pc:spChg chg="mod">
-          <ac:chgData name="Ruo Feng Somers" userId="e05789add83f385b" providerId="LiveId" clId="{55FEF0CA-15A7-4B12-8759-94FEFB250766}" dt="2025-01-30T19:09:30.765" v="207"/>
-          <ac:spMkLst>
-            <pc:docMk/>
-            <pc:sldMk cId="3952367604" sldId="258"/>
-            <ac:spMk id="2" creationId="{AAC99EF6-0019-EE01-46BB-0C19121F9F81}"/>
-          </ac:spMkLst>
-        </pc:spChg>
       </pc:sldChg>
       <pc:sldChg chg="new del">
         <pc:chgData name="Ruo Feng Somers" userId="e05789add83f385b" providerId="LiveId" clId="{55FEF0CA-15A7-4B12-8759-94FEFB250766}" dt="2025-01-30T19:42:26.467" v="813" actId="47"/>
@@ -511,52 +338,12 @@
             <ac:spMk id="2" creationId="{7DD8F241-A8BF-6002-B8D2-1548989E1489}"/>
           </ac:spMkLst>
         </pc:spChg>
-        <pc:spChg chg="del">
-          <ac:chgData name="Ruo Feng Somers" userId="e05789add83f385b" providerId="LiveId" clId="{55FEF0CA-15A7-4B12-8759-94FEFB250766}" dt="2025-01-30T20:01:26.229" v="1069" actId="478"/>
-          <ac:spMkLst>
-            <pc:docMk/>
-            <pc:sldMk cId="122248223" sldId="259"/>
-            <ac:spMk id="3" creationId="{1CA2DFE5-F899-2944-1C57-704A63EDDD27}"/>
-          </ac:spMkLst>
-        </pc:spChg>
         <pc:spChg chg="mod">
           <ac:chgData name="Ruo Feng Somers" userId="e05789add83f385b" providerId="LiveId" clId="{55FEF0CA-15A7-4B12-8759-94FEFB250766}" dt="2025-01-31T12:38:33.087" v="1380" actId="14100"/>
           <ac:spMkLst>
             <pc:docMk/>
             <pc:sldMk cId="122248223" sldId="259"/>
             <ac:spMk id="4" creationId="{B780F222-2014-68B0-FAF7-7B6EB53F4E83}"/>
-          </ac:spMkLst>
-        </pc:spChg>
-        <pc:spChg chg="del">
-          <ac:chgData name="Ruo Feng Somers" userId="e05789add83f385b" providerId="LiveId" clId="{55FEF0CA-15A7-4B12-8759-94FEFB250766}" dt="2025-01-30T20:01:26.229" v="1069" actId="478"/>
-          <ac:spMkLst>
-            <pc:docMk/>
-            <pc:sldMk cId="122248223" sldId="259"/>
-            <ac:spMk id="7" creationId="{56C2641D-9383-9B3C-8E62-553087030800}"/>
-          </ac:spMkLst>
-        </pc:spChg>
-        <pc:spChg chg="del">
-          <ac:chgData name="Ruo Feng Somers" userId="e05789add83f385b" providerId="LiveId" clId="{55FEF0CA-15A7-4B12-8759-94FEFB250766}" dt="2025-01-30T20:01:26.229" v="1069" actId="478"/>
-          <ac:spMkLst>
-            <pc:docMk/>
-            <pc:sldMk cId="122248223" sldId="259"/>
-            <ac:spMk id="8" creationId="{05ED0764-0DDC-F74A-5E63-AA37EFCC8FCF}"/>
-          </ac:spMkLst>
-        </pc:spChg>
-        <pc:spChg chg="add del">
-          <ac:chgData name="Ruo Feng Somers" userId="e05789add83f385b" providerId="LiveId" clId="{55FEF0CA-15A7-4B12-8759-94FEFB250766}" dt="2025-01-31T12:17:16.623" v="1282" actId="22"/>
-          <ac:spMkLst>
-            <pc:docMk/>
-            <pc:sldMk cId="122248223" sldId="259"/>
-            <ac:spMk id="8" creationId="{D0004660-EA19-BE0B-23C0-390B55D2BFB3}"/>
-          </ac:spMkLst>
-        </pc:spChg>
-        <pc:spChg chg="add del mod">
-          <ac:chgData name="Ruo Feng Somers" userId="e05789add83f385b" providerId="LiveId" clId="{55FEF0CA-15A7-4B12-8759-94FEFB250766}" dt="2025-01-31T12:19:20.299" v="1297" actId="478"/>
-          <ac:spMkLst>
-            <pc:docMk/>
-            <pc:sldMk cId="122248223" sldId="259"/>
-            <ac:spMk id="9" creationId="{CD935595-DB0E-1D70-8980-2A99A312989D}"/>
           </ac:spMkLst>
         </pc:spChg>
         <pc:spChg chg="add mod ord">
@@ -567,28 +354,12 @@
             <ac:spMk id="10" creationId="{1DFEE081-31CE-4EA4-A9E2-E1EE023BB8ED}"/>
           </ac:spMkLst>
         </pc:spChg>
-        <pc:spChg chg="del">
-          <ac:chgData name="Ruo Feng Somers" userId="e05789add83f385b" providerId="LiveId" clId="{55FEF0CA-15A7-4B12-8759-94FEFB250766}" dt="2025-01-30T20:01:26.229" v="1069" actId="478"/>
-          <ac:spMkLst>
-            <pc:docMk/>
-            <pc:sldMk cId="122248223" sldId="259"/>
-            <ac:spMk id="10" creationId="{7C743CBD-A8A9-0CE6-88B5-59E169FB91F5}"/>
-          </ac:spMkLst>
-        </pc:spChg>
         <pc:picChg chg="add mod">
           <ac:chgData name="Ruo Feng Somers" userId="e05789add83f385b" providerId="LiveId" clId="{55FEF0CA-15A7-4B12-8759-94FEFB250766}" dt="2025-01-31T12:32:49.965" v="1323" actId="1076"/>
           <ac:picMkLst>
             <pc:docMk/>
             <pc:sldMk cId="122248223" sldId="259"/>
             <ac:picMk id="3" creationId="{F9978B46-6655-A512-48F1-3120911261A5}"/>
-          </ac:picMkLst>
-        </pc:picChg>
-        <pc:picChg chg="add del mod">
-          <ac:chgData name="Ruo Feng Somers" userId="e05789add83f385b" providerId="LiveId" clId="{55FEF0CA-15A7-4B12-8759-94FEFB250766}" dt="2025-01-31T12:14:22.524" v="1269" actId="478"/>
-          <ac:picMkLst>
-            <pc:docMk/>
-            <pc:sldMk cId="122248223" sldId="259"/>
-            <ac:picMk id="5" creationId="{982A1F85-160C-3D1F-AAAC-B6CA2F165533}"/>
           </ac:picMkLst>
         </pc:picChg>
       </pc:sldChg>
@@ -620,14 +391,6 @@
             <ac:spMk id="2" creationId="{5E301BAE-9ACF-0F34-E82E-C1D4B45899E8}"/>
           </ac:spMkLst>
         </pc:spChg>
-        <pc:picChg chg="add del mod">
-          <ac:chgData name="Ruo Feng Somers" userId="e05789add83f385b" providerId="LiveId" clId="{55FEF0CA-15A7-4B12-8759-94FEFB250766}" dt="2025-01-31T12:14:29.367" v="1273" actId="478"/>
-          <ac:picMkLst>
-            <pc:docMk/>
-            <pc:sldMk cId="3546818733" sldId="260"/>
-            <ac:picMk id="3" creationId="{87F6E431-E8D3-B7EC-0E01-4B889DC37E8F}"/>
-          </ac:picMkLst>
-        </pc:picChg>
         <pc:picChg chg="add mod">
           <ac:chgData name="Ruo Feng Somers" userId="e05789add83f385b" providerId="LiveId" clId="{55FEF0CA-15A7-4B12-8759-94FEFB250766}" dt="2025-01-31T12:14:30.064" v="1274"/>
           <ac:picMkLst>
@@ -658,14 +421,6 @@
             <ac:spMk id="2" creationId="{7096C5D2-FF7E-AEAF-0E86-E3FF579BB595}"/>
           </ac:spMkLst>
         </pc:spChg>
-        <pc:picChg chg="del">
-          <ac:chgData name="Ruo Feng Somers" userId="e05789add83f385b" providerId="LiveId" clId="{55FEF0CA-15A7-4B12-8759-94FEFB250766}" dt="2025-01-31T12:14:33.942" v="1275" actId="478"/>
-          <ac:picMkLst>
-            <pc:docMk/>
-            <pc:sldMk cId="4140527961" sldId="261"/>
-            <ac:picMk id="3" creationId="{5680E5F1-28B4-81A3-641B-A60CF9F6C915}"/>
-          </ac:picMkLst>
-        </pc:picChg>
         <pc:picChg chg="add mod">
           <ac:chgData name="Ruo Feng Somers" userId="e05789add83f385b" providerId="LiveId" clId="{55FEF0CA-15A7-4B12-8759-94FEFB250766}" dt="2025-01-31T12:14:34.480" v="1276"/>
           <ac:picMkLst>
@@ -710,6 +465,451 @@
 </pc:chgInfo>
 </file>
 
+<file path=ppt/notesMasters/notesMaster1.xml><?xml version="1.0" encoding="utf-8"?>
+<p:notesMaster xmlns:a="http://schemas.openxmlformats.org/drawingml/2006/main" xmlns:r="http://schemas.openxmlformats.org/officeDocument/2006/relationships" xmlns:p="http://schemas.openxmlformats.org/presentationml/2006/main">
+  <p:cSld>
+    <p:bg>
+      <p:bgRef idx="1001">
+        <a:schemeClr val="bg1"/>
+      </p:bgRef>
+    </p:bg>
+    <p:spTree>
+      <p:nvGrpSpPr>
+        <p:cNvPr id="1" name=""/>
+        <p:cNvGrpSpPr/>
+        <p:nvPr/>
+      </p:nvGrpSpPr>
+      <p:grpSpPr>
+        <a:xfrm>
+          <a:off x="0" y="0"/>
+          <a:ext cx="0" cy="0"/>
+          <a:chOff x="0" y="0"/>
+          <a:chExt cx="0" cy="0"/>
+        </a:xfrm>
+      </p:grpSpPr>
+      <p:sp>
+        <p:nvSpPr>
+          <p:cNvPr id="2" name="Tijdelijke aanduiding voor koptekst 1"/>
+          <p:cNvSpPr>
+            <a:spLocks noGrp="1"/>
+          </p:cNvSpPr>
+          <p:nvPr>
+            <p:ph type="hdr" sz="quarter"/>
+          </p:nvPr>
+        </p:nvSpPr>
+        <p:spPr>
+          <a:xfrm>
+            <a:off x="0" y="0"/>
+            <a:ext cx="2971800" cy="458788"/>
+          </a:xfrm>
+          <a:prstGeom prst="rect">
+            <a:avLst/>
+          </a:prstGeom>
+        </p:spPr>
+        <p:txBody>
+          <a:bodyPr vert="horz" lIns="91440" tIns="45720" rIns="91440" bIns="45720" rtlCol="0"/>
+          <a:lstStyle>
+            <a:lvl1pPr algn="l">
+              <a:defRPr sz="1200"/>
+            </a:lvl1pPr>
+          </a:lstStyle>
+          <a:p>
+            <a:endParaRPr lang="nl-NL"/>
+          </a:p>
+        </p:txBody>
+      </p:sp>
+      <p:sp>
+        <p:nvSpPr>
+          <p:cNvPr id="3" name="Tijdelijke aanduiding voor datum 2"/>
+          <p:cNvSpPr>
+            <a:spLocks noGrp="1"/>
+          </p:cNvSpPr>
+          <p:nvPr>
+            <p:ph type="dt" idx="1"/>
+          </p:nvPr>
+        </p:nvSpPr>
+        <p:spPr>
+          <a:xfrm>
+            <a:off x="3884613" y="0"/>
+            <a:ext cx="2971800" cy="458788"/>
+          </a:xfrm>
+          <a:prstGeom prst="rect">
+            <a:avLst/>
+          </a:prstGeom>
+        </p:spPr>
+        <p:txBody>
+          <a:bodyPr vert="horz" lIns="91440" tIns="45720" rIns="91440" bIns="45720" rtlCol="0"/>
+          <a:lstStyle>
+            <a:lvl1pPr algn="r">
+              <a:defRPr sz="1200"/>
+            </a:lvl1pPr>
+          </a:lstStyle>
+          <a:p>
+            <a:fld id="{7E26F585-9663-4692-A6EA-317E711EE4B0}" type="datetimeFigureOut">
+              <a:rPr lang="nl-NL" smtClean="0"/>
+              <a:t>8-2-2025</a:t>
+            </a:fld>
+            <a:endParaRPr lang="nl-NL"/>
+          </a:p>
+        </p:txBody>
+      </p:sp>
+      <p:sp>
+        <p:nvSpPr>
+          <p:cNvPr id="4" name="Tijdelijke aanduiding voor dia-afbeelding 3"/>
+          <p:cNvSpPr>
+            <a:spLocks noGrp="1" noRot="1" noChangeAspect="1"/>
+          </p:cNvSpPr>
+          <p:nvPr>
+            <p:ph type="sldImg" idx="2"/>
+          </p:nvPr>
+        </p:nvSpPr>
+        <p:spPr>
+          <a:xfrm>
+            <a:off x="685800" y="1143000"/>
+            <a:ext cx="5486400" cy="3086100"/>
+          </a:xfrm>
+          <a:prstGeom prst="rect">
+            <a:avLst/>
+          </a:prstGeom>
+          <a:noFill/>
+          <a:ln w="12700">
+            <a:solidFill>
+              <a:prstClr val="black"/>
+            </a:solidFill>
+          </a:ln>
+        </p:spPr>
+        <p:txBody>
+          <a:bodyPr vert="horz" lIns="91440" tIns="45720" rIns="91440" bIns="45720" rtlCol="0" anchor="ctr"/>
+          <a:lstStyle/>
+          <a:p>
+            <a:endParaRPr lang="nl-NL"/>
+          </a:p>
+        </p:txBody>
+      </p:sp>
+      <p:sp>
+        <p:nvSpPr>
+          <p:cNvPr id="5" name="Tijdelijke aanduiding voor notities 4"/>
+          <p:cNvSpPr>
+            <a:spLocks noGrp="1"/>
+          </p:cNvSpPr>
+          <p:nvPr>
+            <p:ph type="body" sz="quarter" idx="3"/>
+          </p:nvPr>
+        </p:nvSpPr>
+        <p:spPr>
+          <a:xfrm>
+            <a:off x="685800" y="4400550"/>
+            <a:ext cx="5486400" cy="3600450"/>
+          </a:xfrm>
+          <a:prstGeom prst="rect">
+            <a:avLst/>
+          </a:prstGeom>
+        </p:spPr>
+        <p:txBody>
+          <a:bodyPr vert="horz" lIns="91440" tIns="45720" rIns="91440" bIns="45720" rtlCol="0"/>
+          <a:lstStyle/>
+          <a:p>
+            <a:pPr lvl="0"/>
+            <a:r>
+              <a:rPr lang="nl-NL"/>
+              <a:t>Klikken om de tekststijl van het model te bewerken</a:t>
+            </a:r>
+          </a:p>
+          <a:p>
+            <a:pPr lvl="1"/>
+            <a:r>
+              <a:rPr lang="nl-NL"/>
+              <a:t>Tweede niveau</a:t>
+            </a:r>
+          </a:p>
+          <a:p>
+            <a:pPr lvl="2"/>
+            <a:r>
+              <a:rPr lang="nl-NL"/>
+              <a:t>Derde niveau</a:t>
+            </a:r>
+          </a:p>
+          <a:p>
+            <a:pPr lvl="3"/>
+            <a:r>
+              <a:rPr lang="nl-NL"/>
+              <a:t>Vierde niveau</a:t>
+            </a:r>
+          </a:p>
+          <a:p>
+            <a:pPr lvl="4"/>
+            <a:r>
+              <a:rPr lang="nl-NL"/>
+              <a:t>Vijfde niveau</a:t>
+            </a:r>
+          </a:p>
+        </p:txBody>
+      </p:sp>
+      <p:sp>
+        <p:nvSpPr>
+          <p:cNvPr id="6" name="Tijdelijke aanduiding voor voettekst 5"/>
+          <p:cNvSpPr>
+            <a:spLocks noGrp="1"/>
+          </p:cNvSpPr>
+          <p:nvPr>
+            <p:ph type="ftr" sz="quarter" idx="4"/>
+          </p:nvPr>
+        </p:nvSpPr>
+        <p:spPr>
+          <a:xfrm>
+            <a:off x="0" y="8685213"/>
+            <a:ext cx="2971800" cy="458787"/>
+          </a:xfrm>
+          <a:prstGeom prst="rect">
+            <a:avLst/>
+          </a:prstGeom>
+        </p:spPr>
+        <p:txBody>
+          <a:bodyPr vert="horz" lIns="91440" tIns="45720" rIns="91440" bIns="45720" rtlCol="0" anchor="b"/>
+          <a:lstStyle>
+            <a:lvl1pPr algn="l">
+              <a:defRPr sz="1200"/>
+            </a:lvl1pPr>
+          </a:lstStyle>
+          <a:p>
+            <a:endParaRPr lang="nl-NL"/>
+          </a:p>
+        </p:txBody>
+      </p:sp>
+      <p:sp>
+        <p:nvSpPr>
+          <p:cNvPr id="7" name="Tijdelijke aanduiding voor dianummer 6"/>
+          <p:cNvSpPr>
+            <a:spLocks noGrp="1"/>
+          </p:cNvSpPr>
+          <p:nvPr>
+            <p:ph type="sldNum" sz="quarter" idx="5"/>
+          </p:nvPr>
+        </p:nvSpPr>
+        <p:spPr>
+          <a:xfrm>
+            <a:off x="3884613" y="8685213"/>
+            <a:ext cx="2971800" cy="458787"/>
+          </a:xfrm>
+          <a:prstGeom prst="rect">
+            <a:avLst/>
+          </a:prstGeom>
+        </p:spPr>
+        <p:txBody>
+          <a:bodyPr vert="horz" lIns="91440" tIns="45720" rIns="91440" bIns="45720" rtlCol="0" anchor="b"/>
+          <a:lstStyle>
+            <a:lvl1pPr algn="r">
+              <a:defRPr sz="1200"/>
+            </a:lvl1pPr>
+          </a:lstStyle>
+          <a:p>
+            <a:fld id="{8374D233-B376-447C-ADAD-60B3FD5F19C9}" type="slidenum">
+              <a:rPr lang="nl-NL" smtClean="0"/>
+              <a:t>‹nr.›</a:t>
+            </a:fld>
+            <a:endParaRPr lang="nl-NL"/>
+          </a:p>
+        </p:txBody>
+      </p:sp>
+    </p:spTree>
+    <p:extLst>
+      <p:ext uri="{BB962C8B-B14F-4D97-AF65-F5344CB8AC3E}">
+        <p14:creationId xmlns:p14="http://schemas.microsoft.com/office/powerpoint/2010/main" val="2870720471"/>
+      </p:ext>
+    </p:extLst>
+  </p:cSld>
+  <p:clrMap bg1="lt1" tx1="dk1" bg2="lt2" tx2="dk2" accent1="accent1" accent2="accent2" accent3="accent3" accent4="accent4" accent5="accent5" accent6="accent6" hlink="hlink" folHlink="folHlink"/>
+  <p:notesStyle>
+    <a:lvl1pPr marL="0" algn="l" defTabSz="914400" rtl="0" eaLnBrk="1" latinLnBrk="0" hangingPunct="1">
+      <a:defRPr sz="1200" kern="1200">
+        <a:solidFill>
+          <a:schemeClr val="tx1"/>
+        </a:solidFill>
+        <a:latin typeface="+mn-lt"/>
+        <a:ea typeface="+mn-ea"/>
+        <a:cs typeface="+mn-cs"/>
+      </a:defRPr>
+    </a:lvl1pPr>
+    <a:lvl2pPr marL="457200" algn="l" defTabSz="914400" rtl="0" eaLnBrk="1" latinLnBrk="0" hangingPunct="1">
+      <a:defRPr sz="1200" kern="1200">
+        <a:solidFill>
+          <a:schemeClr val="tx1"/>
+        </a:solidFill>
+        <a:latin typeface="+mn-lt"/>
+        <a:ea typeface="+mn-ea"/>
+        <a:cs typeface="+mn-cs"/>
+      </a:defRPr>
+    </a:lvl2pPr>
+    <a:lvl3pPr marL="914400" algn="l" defTabSz="914400" rtl="0" eaLnBrk="1" latinLnBrk="0" hangingPunct="1">
+      <a:defRPr sz="1200" kern="1200">
+        <a:solidFill>
+          <a:schemeClr val="tx1"/>
+        </a:solidFill>
+        <a:latin typeface="+mn-lt"/>
+        <a:ea typeface="+mn-ea"/>
+        <a:cs typeface="+mn-cs"/>
+      </a:defRPr>
+    </a:lvl3pPr>
+    <a:lvl4pPr marL="1371600" algn="l" defTabSz="914400" rtl="0" eaLnBrk="1" latinLnBrk="0" hangingPunct="1">
+      <a:defRPr sz="1200" kern="1200">
+        <a:solidFill>
+          <a:schemeClr val="tx1"/>
+        </a:solidFill>
+        <a:latin typeface="+mn-lt"/>
+        <a:ea typeface="+mn-ea"/>
+        <a:cs typeface="+mn-cs"/>
+      </a:defRPr>
+    </a:lvl4pPr>
+    <a:lvl5pPr marL="1828800" algn="l" defTabSz="914400" rtl="0" eaLnBrk="1" latinLnBrk="0" hangingPunct="1">
+      <a:defRPr sz="1200" kern="1200">
+        <a:solidFill>
+          <a:schemeClr val="tx1"/>
+        </a:solidFill>
+        <a:latin typeface="+mn-lt"/>
+        <a:ea typeface="+mn-ea"/>
+        <a:cs typeface="+mn-cs"/>
+      </a:defRPr>
+    </a:lvl5pPr>
+    <a:lvl6pPr marL="2286000" algn="l" defTabSz="914400" rtl="0" eaLnBrk="1" latinLnBrk="0" hangingPunct="1">
+      <a:defRPr sz="1200" kern="1200">
+        <a:solidFill>
+          <a:schemeClr val="tx1"/>
+        </a:solidFill>
+        <a:latin typeface="+mn-lt"/>
+        <a:ea typeface="+mn-ea"/>
+        <a:cs typeface="+mn-cs"/>
+      </a:defRPr>
+    </a:lvl6pPr>
+    <a:lvl7pPr marL="2743200" algn="l" defTabSz="914400" rtl="0" eaLnBrk="1" latinLnBrk="0" hangingPunct="1">
+      <a:defRPr sz="1200" kern="1200">
+        <a:solidFill>
+          <a:schemeClr val="tx1"/>
+        </a:solidFill>
+        <a:latin typeface="+mn-lt"/>
+        <a:ea typeface="+mn-ea"/>
+        <a:cs typeface="+mn-cs"/>
+      </a:defRPr>
+    </a:lvl7pPr>
+    <a:lvl8pPr marL="3200400" algn="l" defTabSz="914400" rtl="0" eaLnBrk="1" latinLnBrk="0" hangingPunct="1">
+      <a:defRPr sz="1200" kern="1200">
+        <a:solidFill>
+          <a:schemeClr val="tx1"/>
+        </a:solidFill>
+        <a:latin typeface="+mn-lt"/>
+        <a:ea typeface="+mn-ea"/>
+        <a:cs typeface="+mn-cs"/>
+      </a:defRPr>
+    </a:lvl8pPr>
+    <a:lvl9pPr marL="3657600" algn="l" defTabSz="914400" rtl="0" eaLnBrk="1" latinLnBrk="0" hangingPunct="1">
+      <a:defRPr sz="1200" kern="1200">
+        <a:solidFill>
+          <a:schemeClr val="tx1"/>
+        </a:solidFill>
+        <a:latin typeface="+mn-lt"/>
+        <a:ea typeface="+mn-ea"/>
+        <a:cs typeface="+mn-cs"/>
+      </a:defRPr>
+    </a:lvl9pPr>
+  </p:notesStyle>
+</p:notesMaster>
+</file>
+
+<file path=ppt/notesSlides/notesSlide1.xml><?xml version="1.0" encoding="utf-8"?>
+<p:notes xmlns:a="http://schemas.openxmlformats.org/drawingml/2006/main" xmlns:r="http://schemas.openxmlformats.org/officeDocument/2006/relationships" xmlns:p="http://schemas.openxmlformats.org/presentationml/2006/main">
+  <p:cSld>
+    <p:spTree>
+      <p:nvGrpSpPr>
+        <p:cNvPr id="1" name=""/>
+        <p:cNvGrpSpPr/>
+        <p:nvPr/>
+      </p:nvGrpSpPr>
+      <p:grpSpPr>
+        <a:xfrm>
+          <a:off x="0" y="0"/>
+          <a:ext cx="0" cy="0"/>
+          <a:chOff x="0" y="0"/>
+          <a:chExt cx="0" cy="0"/>
+        </a:xfrm>
+      </p:grpSpPr>
+      <p:sp>
+        <p:nvSpPr>
+          <p:cNvPr id="2" name="Tijdelijke aanduiding voor dia-afbeelding 1"/>
+          <p:cNvSpPr>
+            <a:spLocks noGrp="1" noRot="1" noChangeAspect="1"/>
+          </p:cNvSpPr>
+          <p:nvPr>
+            <p:ph type="sldImg"/>
+          </p:nvPr>
+        </p:nvSpPr>
+        <p:spPr/>
+      </p:sp>
+      <p:sp>
+        <p:nvSpPr>
+          <p:cNvPr id="3" name="Tijdelijke aanduiding voor notities 2"/>
+          <p:cNvSpPr>
+            <a:spLocks noGrp="1"/>
+          </p:cNvSpPr>
+          <p:nvPr>
+            <p:ph type="body" idx="1"/>
+          </p:nvPr>
+        </p:nvSpPr>
+        <p:spPr/>
+        <p:txBody>
+          <a:bodyPr/>
+          <a:lstStyle/>
+          <a:p>
+            <a:r>
+              <a:rPr lang="en-US" dirty="0" err="1"/>
+              <a:t>Os</a:t>
+            </a:r>
+            <a:r>
+              <a:rPr lang="en-US" dirty="0"/>
+              <a:t> = operating </a:t>
+            </a:r>
+            <a:r>
+              <a:rPr lang="en-US" dirty="0" err="1"/>
+              <a:t>systeem</a:t>
+            </a:r>
+            <a:endParaRPr lang="nl-NL" dirty="0"/>
+          </a:p>
+        </p:txBody>
+      </p:sp>
+      <p:sp>
+        <p:nvSpPr>
+          <p:cNvPr id="4" name="Tijdelijke aanduiding voor dianummer 3"/>
+          <p:cNvSpPr>
+            <a:spLocks noGrp="1"/>
+          </p:cNvSpPr>
+          <p:nvPr>
+            <p:ph type="sldNum" sz="quarter" idx="5"/>
+          </p:nvPr>
+        </p:nvSpPr>
+        <p:spPr/>
+        <p:txBody>
+          <a:bodyPr/>
+          <a:lstStyle/>
+          <a:p>
+            <a:fld id="{8374D233-B376-447C-ADAD-60B3FD5F19C9}" type="slidenum">
+              <a:rPr lang="nl-NL" smtClean="0"/>
+              <a:t>3</a:t>
+            </a:fld>
+            <a:endParaRPr lang="nl-NL"/>
+          </a:p>
+        </p:txBody>
+      </p:sp>
+    </p:spTree>
+    <p:extLst>
+      <p:ext uri="{BB962C8B-B14F-4D97-AF65-F5344CB8AC3E}">
+        <p14:creationId xmlns:p14="http://schemas.microsoft.com/office/powerpoint/2010/main" val="2415161579"/>
+      </p:ext>
+    </p:extLst>
+  </p:cSld>
+  <p:clrMapOvr>
+    <a:masterClrMapping/>
+  </p:clrMapOvr>
+</p:notes>
+</file>
+
 <file path=ppt/slideLayouts/slideLayout1.xml><?xml version="1.0" encoding="utf-8"?>
 <p:sldLayout xmlns:a="http://schemas.openxmlformats.org/drawingml/2006/main" xmlns:r="http://schemas.openxmlformats.org/officeDocument/2006/relationships" xmlns:p="http://schemas.openxmlformats.org/presentationml/2006/main" type="title" preserve="1">
   <p:cSld name="Title Slide">
@@ -859,7 +1059,7 @@
           <a:p>
             <a:fld id="{D64660CB-3018-4B1C-BA22-7AC78AB2EFDE}" type="datetimeFigureOut">
               <a:rPr lang="nl-NL" smtClean="0"/>
-              <a:t>31-1-2025</a:t>
+              <a:t>8-2-2025</a:t>
             </a:fld>
             <a:endParaRPr lang="nl-NL" dirty="0"/>
           </a:p>
@@ -1059,7 +1259,7 @@
           <a:p>
             <a:fld id="{D64660CB-3018-4B1C-BA22-7AC78AB2EFDE}" type="datetimeFigureOut">
               <a:rPr lang="nl-NL" smtClean="0"/>
-              <a:t>31-1-2025</a:t>
+              <a:t>8-2-2025</a:t>
             </a:fld>
             <a:endParaRPr lang="nl-NL" dirty="0"/>
           </a:p>
@@ -1269,7 +1469,7 @@
           <a:p>
             <a:fld id="{D64660CB-3018-4B1C-BA22-7AC78AB2EFDE}" type="datetimeFigureOut">
               <a:rPr lang="nl-NL" smtClean="0"/>
-              <a:t>31-1-2025</a:t>
+              <a:t>8-2-2025</a:t>
             </a:fld>
             <a:endParaRPr lang="nl-NL" dirty="0"/>
           </a:p>
@@ -1469,7 +1669,7 @@
           <a:p>
             <a:fld id="{D64660CB-3018-4B1C-BA22-7AC78AB2EFDE}" type="datetimeFigureOut">
               <a:rPr lang="nl-NL" smtClean="0"/>
-              <a:t>31-1-2025</a:t>
+              <a:t>8-2-2025</a:t>
             </a:fld>
             <a:endParaRPr lang="nl-NL" dirty="0"/>
           </a:p>
@@ -1745,7 +1945,7 @@
           <a:p>
             <a:fld id="{D64660CB-3018-4B1C-BA22-7AC78AB2EFDE}" type="datetimeFigureOut">
               <a:rPr lang="nl-NL" smtClean="0"/>
-              <a:t>31-1-2025</a:t>
+              <a:t>8-2-2025</a:t>
             </a:fld>
             <a:endParaRPr lang="nl-NL" dirty="0"/>
           </a:p>
@@ -2013,7 +2213,7 @@
           <a:p>
             <a:fld id="{D64660CB-3018-4B1C-BA22-7AC78AB2EFDE}" type="datetimeFigureOut">
               <a:rPr lang="nl-NL" smtClean="0"/>
-              <a:t>31-1-2025</a:t>
+              <a:t>8-2-2025</a:t>
             </a:fld>
             <a:endParaRPr lang="nl-NL" dirty="0"/>
           </a:p>
@@ -2428,7 +2628,7 @@
           <a:p>
             <a:fld id="{D64660CB-3018-4B1C-BA22-7AC78AB2EFDE}" type="datetimeFigureOut">
               <a:rPr lang="nl-NL" smtClean="0"/>
-              <a:t>31-1-2025</a:t>
+              <a:t>8-2-2025</a:t>
             </a:fld>
             <a:endParaRPr lang="nl-NL" dirty="0"/>
           </a:p>
@@ -2570,7 +2770,7 @@
           <a:p>
             <a:fld id="{D64660CB-3018-4B1C-BA22-7AC78AB2EFDE}" type="datetimeFigureOut">
               <a:rPr lang="nl-NL" smtClean="0"/>
-              <a:t>31-1-2025</a:t>
+              <a:t>8-2-2025</a:t>
             </a:fld>
             <a:endParaRPr lang="nl-NL" dirty="0"/>
           </a:p>
@@ -2683,7 +2883,7 @@
           <a:p>
             <a:fld id="{D64660CB-3018-4B1C-BA22-7AC78AB2EFDE}" type="datetimeFigureOut">
               <a:rPr lang="nl-NL" smtClean="0"/>
-              <a:t>31-1-2025</a:t>
+              <a:t>8-2-2025</a:t>
             </a:fld>
             <a:endParaRPr lang="nl-NL" dirty="0"/>
           </a:p>
@@ -2996,7 +3196,7 @@
           <a:p>
             <a:fld id="{D64660CB-3018-4B1C-BA22-7AC78AB2EFDE}" type="datetimeFigureOut">
               <a:rPr lang="nl-NL" smtClean="0"/>
-              <a:t>31-1-2025</a:t>
+              <a:t>8-2-2025</a:t>
             </a:fld>
             <a:endParaRPr lang="nl-NL" dirty="0"/>
           </a:p>
@@ -3285,7 +3485,7 @@
           <a:p>
             <a:fld id="{D64660CB-3018-4B1C-BA22-7AC78AB2EFDE}" type="datetimeFigureOut">
               <a:rPr lang="nl-NL" smtClean="0"/>
-              <a:t>31-1-2025</a:t>
+              <a:t>8-2-2025</a:t>
             </a:fld>
             <a:endParaRPr lang="nl-NL" dirty="0"/>
           </a:p>
@@ -3528,7 +3728,7 @@
           <a:p>
             <a:fld id="{D64660CB-3018-4B1C-BA22-7AC78AB2EFDE}" type="datetimeFigureOut">
               <a:rPr lang="nl-NL" smtClean="0"/>
-              <a:t>31-1-2025</a:t>
+              <a:t>8-2-2025</a:t>
             </a:fld>
             <a:endParaRPr lang="nl-NL" dirty="0"/>
           </a:p>
@@ -5433,7 +5633,7 @@
           <p:nvPr/>
         </p:nvPicPr>
         <p:blipFill>
-          <a:blip r:embed="rId2">
+          <a:blip r:embed="rId3">
             <a:extLst>
               <a:ext uri="{28A0092B-C50C-407E-A947-70E740481C1C}">
                 <a14:useLocalDpi xmlns:a14="http://schemas.microsoft.com/office/drawing/2010/main" val="0"/>
@@ -6164,13 +6364,13 @@
   <p:clrMapOvr>
     <a:masterClrMapping/>
   </p:clrMapOvr>
-  <mc:AlternateContent xmlns:mc="http://schemas.openxmlformats.org/markup-compatibility/2006">
-    <mc:Choice xmlns:p14="http://schemas.microsoft.com/office/powerpoint/2010/main" Requires="p14">
+  <mc:AlternateContent xmlns:mc="http://schemas.openxmlformats.org/markup-compatibility/2006" xmlns:p14="http://schemas.microsoft.com/office/powerpoint/2010/main">
+    <mc:Choice Requires="p14">
       <p:transition spd="med" p14:dur="700">
         <p:fade/>
       </p:transition>
     </mc:Choice>
-    <mc:Fallback>
+    <mc:Fallback xmlns="">
       <p:transition spd="med">
         <p:fade/>
       </p:transition>
@@ -6991,4 +7191,319 @@
     </a:ext>
   </a:extLst>
 </a:theme>
+</file>
+
+<file path=ppt/theme/theme2.xml><?xml version="1.0" encoding="utf-8"?>
+<a:theme xmlns:a="http://schemas.openxmlformats.org/drawingml/2006/main" name="Kantoorthema">
+  <a:themeElements>
+    <a:clrScheme name="Office">
+      <a:dk1>
+        <a:sysClr val="windowText" lastClr="000000"/>
+      </a:dk1>
+      <a:lt1>
+        <a:sysClr val="window" lastClr="FFFFFF"/>
+      </a:lt1>
+      <a:dk2>
+        <a:srgbClr val="0E2841"/>
+      </a:dk2>
+      <a:lt2>
+        <a:srgbClr val="E8E8E8"/>
+      </a:lt2>
+      <a:accent1>
+        <a:srgbClr val="156082"/>
+      </a:accent1>
+      <a:accent2>
+        <a:srgbClr val="E97132"/>
+      </a:accent2>
+      <a:accent3>
+        <a:srgbClr val="196B24"/>
+      </a:accent3>
+      <a:accent4>
+        <a:srgbClr val="0F9ED5"/>
+      </a:accent4>
+      <a:accent5>
+        <a:srgbClr val="A02B93"/>
+      </a:accent5>
+      <a:accent6>
+        <a:srgbClr val="4EA72E"/>
+      </a:accent6>
+      <a:hlink>
+        <a:srgbClr val="467886"/>
+      </a:hlink>
+      <a:folHlink>
+        <a:srgbClr val="96607D"/>
+      </a:folHlink>
+    </a:clrScheme>
+    <a:fontScheme name="Office">
+      <a:majorFont>
+        <a:latin typeface="Aptos Display" panose="02110004020202020204"/>
+        <a:ea typeface=""/>
+        <a:cs typeface=""/>
+        <a:font script="Jpan" typeface="游ゴシック Light"/>
+        <a:font script="Hang" typeface="맑은 고딕"/>
+        <a:font script="Hans" typeface="等线 Light"/>
+        <a:font script="Hant" typeface="新細明體"/>
+        <a:font script="Arab" typeface="Times New Roman"/>
+        <a:font script="Hebr" typeface="Times New Roman"/>
+        <a:font script="Thai" typeface="Angsana New"/>
+        <a:font script="Ethi" typeface="Nyala"/>
+        <a:font script="Beng" typeface="Vrinda"/>
+        <a:font script="Gujr" typeface="Shruti"/>
+        <a:font script="Khmr" typeface="MoolBoran"/>
+        <a:font script="Knda" typeface="Tunga"/>
+        <a:font script="Guru" typeface="Raavi"/>
+        <a:font script="Cans" typeface="Euphemia"/>
+        <a:font script="Cher" typeface="Plantagenet Cherokee"/>
+        <a:font script="Yiii" typeface="Microsoft Yi Baiti"/>
+        <a:font script="Tibt" typeface="Microsoft Himalaya"/>
+        <a:font script="Thaa" typeface="MV Boli"/>
+        <a:font script="Deva" typeface="Mangal"/>
+        <a:font script="Telu" typeface="Gautami"/>
+        <a:font script="Taml" typeface="Latha"/>
+        <a:font script="Syrc" typeface="Estrangelo Edessa"/>
+        <a:font script="Orya" typeface="Kalinga"/>
+        <a:font script="Mlym" typeface="Kartika"/>
+        <a:font script="Laoo" typeface="DokChampa"/>
+        <a:font script="Sinh" typeface="Iskoola Pota"/>
+        <a:font script="Mong" typeface="Mongolian Baiti"/>
+        <a:font script="Viet" typeface="Times New Roman"/>
+        <a:font script="Uigh" typeface="Microsoft Uighur"/>
+        <a:font script="Geor" typeface="Sylfaen"/>
+        <a:font script="Armn" typeface="Arial"/>
+        <a:font script="Bugi" typeface="Leelawadee UI"/>
+        <a:font script="Bopo" typeface="Microsoft JhengHei"/>
+        <a:font script="Java" typeface="Javanese Text"/>
+        <a:font script="Lisu" typeface="Segoe UI"/>
+        <a:font script="Mymr" typeface="Myanmar Text"/>
+        <a:font script="Nkoo" typeface="Ebrima"/>
+        <a:font script="Olck" typeface="Nirmala UI"/>
+        <a:font script="Osma" typeface="Ebrima"/>
+        <a:font script="Phag" typeface="Phagspa"/>
+        <a:font script="Syrn" typeface="Estrangelo Edessa"/>
+        <a:font script="Syrj" typeface="Estrangelo Edessa"/>
+        <a:font script="Syre" typeface="Estrangelo Edessa"/>
+        <a:font script="Sora" typeface="Nirmala UI"/>
+        <a:font script="Tale" typeface="Microsoft Tai Le"/>
+        <a:font script="Talu" typeface="Microsoft New Tai Lue"/>
+        <a:font script="Tfng" typeface="Ebrima"/>
+      </a:majorFont>
+      <a:minorFont>
+        <a:latin typeface="Aptos" panose="02110004020202020204"/>
+        <a:ea typeface=""/>
+        <a:cs typeface=""/>
+        <a:font script="Jpan" typeface="游ゴシック"/>
+        <a:font script="Hang" typeface="맑은 고딕"/>
+        <a:font script="Hans" typeface="等线"/>
+        <a:font script="Hant" typeface="新細明體"/>
+        <a:font script="Arab" typeface="Arial"/>
+        <a:font script="Hebr" typeface="Arial"/>
+        <a:font script="Thai" typeface="Cordia New"/>
+        <a:font script="Ethi" typeface="Nyala"/>
+        <a:font script="Beng" typeface="Vrinda"/>
+        <a:font script="Gujr" typeface="Shruti"/>
+        <a:font script="Khmr" typeface="DaunPenh"/>
+        <a:font script="Knda" typeface="Tunga"/>
+        <a:font script="Guru" typeface="Raavi"/>
+        <a:font script="Cans" typeface="Euphemia"/>
+        <a:font script="Cher" typeface="Plantagenet Cherokee"/>
+        <a:font script="Yiii" typeface="Microsoft Yi Baiti"/>
+        <a:font script="Tibt" typeface="Microsoft Himalaya"/>
+        <a:font script="Thaa" typeface="MV Boli"/>
+        <a:font script="Deva" typeface="Mangal"/>
+        <a:font script="Telu" typeface="Gautami"/>
+        <a:font script="Taml" typeface="Latha"/>
+        <a:font script="Syrc" typeface="Estrangelo Edessa"/>
+        <a:font script="Orya" typeface="Kalinga"/>
+        <a:font script="Mlym" typeface="Kartika"/>
+        <a:font script="Laoo" typeface="DokChampa"/>
+        <a:font script="Sinh" typeface="Iskoola Pota"/>
+        <a:font script="Mong" typeface="Mongolian Baiti"/>
+        <a:font script="Viet" typeface="Arial"/>
+        <a:font script="Uigh" typeface="Microsoft Uighur"/>
+        <a:font script="Geor" typeface="Sylfaen"/>
+        <a:font script="Armn" typeface="Arial"/>
+        <a:font script="Bugi" typeface="Leelawadee UI"/>
+        <a:font script="Bopo" typeface="Microsoft JhengHei"/>
+        <a:font script="Java" typeface="Javanese Text"/>
+        <a:font script="Lisu" typeface="Segoe UI"/>
+        <a:font script="Mymr" typeface="Myanmar Text"/>
+        <a:font script="Nkoo" typeface="Ebrima"/>
+        <a:font script="Olck" typeface="Nirmala UI"/>
+        <a:font script="Osma" typeface="Ebrima"/>
+        <a:font script="Phag" typeface="Phagspa"/>
+        <a:font script="Syrn" typeface="Estrangelo Edessa"/>
+        <a:font script="Syrj" typeface="Estrangelo Edessa"/>
+        <a:font script="Syre" typeface="Estrangelo Edessa"/>
+        <a:font script="Sora" typeface="Nirmala UI"/>
+        <a:font script="Tale" typeface="Microsoft Tai Le"/>
+        <a:font script="Talu" typeface="Microsoft New Tai Lue"/>
+        <a:font script="Tfng" typeface="Ebrima"/>
+      </a:minorFont>
+    </a:fontScheme>
+    <a:fmtScheme name="Office">
+      <a:fillStyleLst>
+        <a:solidFill>
+          <a:schemeClr val="phClr"/>
+        </a:solidFill>
+        <a:gradFill rotWithShape="1">
+          <a:gsLst>
+            <a:gs pos="0">
+              <a:schemeClr val="phClr">
+                <a:lumMod val="110000"/>
+                <a:satMod val="105000"/>
+                <a:tint val="67000"/>
+              </a:schemeClr>
+            </a:gs>
+            <a:gs pos="50000">
+              <a:schemeClr val="phClr">
+                <a:lumMod val="105000"/>
+                <a:satMod val="103000"/>
+                <a:tint val="73000"/>
+              </a:schemeClr>
+            </a:gs>
+            <a:gs pos="100000">
+              <a:schemeClr val="phClr">
+                <a:lumMod val="105000"/>
+                <a:satMod val="109000"/>
+                <a:tint val="81000"/>
+              </a:schemeClr>
+            </a:gs>
+          </a:gsLst>
+          <a:lin ang="5400000" scaled="0"/>
+        </a:gradFill>
+        <a:gradFill rotWithShape="1">
+          <a:gsLst>
+            <a:gs pos="0">
+              <a:schemeClr val="phClr">
+                <a:satMod val="103000"/>
+                <a:lumMod val="102000"/>
+                <a:tint val="94000"/>
+              </a:schemeClr>
+            </a:gs>
+            <a:gs pos="50000">
+              <a:schemeClr val="phClr">
+                <a:satMod val="110000"/>
+                <a:lumMod val="100000"/>
+                <a:shade val="100000"/>
+              </a:schemeClr>
+            </a:gs>
+            <a:gs pos="100000">
+              <a:schemeClr val="phClr">
+                <a:lumMod val="99000"/>
+                <a:satMod val="120000"/>
+                <a:shade val="78000"/>
+              </a:schemeClr>
+            </a:gs>
+          </a:gsLst>
+          <a:lin ang="5400000" scaled="0"/>
+        </a:gradFill>
+      </a:fillStyleLst>
+      <a:lnStyleLst>
+        <a:ln w="12700" cap="flat" cmpd="sng" algn="ctr">
+          <a:solidFill>
+            <a:schemeClr val="phClr"/>
+          </a:solidFill>
+          <a:prstDash val="solid"/>
+          <a:miter lim="800000"/>
+        </a:ln>
+        <a:ln w="19050" cap="flat" cmpd="sng" algn="ctr">
+          <a:solidFill>
+            <a:schemeClr val="phClr"/>
+          </a:solidFill>
+          <a:prstDash val="solid"/>
+          <a:miter lim="800000"/>
+        </a:ln>
+        <a:ln w="25400" cap="flat" cmpd="sng" algn="ctr">
+          <a:solidFill>
+            <a:schemeClr val="phClr"/>
+          </a:solidFill>
+          <a:prstDash val="solid"/>
+          <a:miter lim="800000"/>
+        </a:ln>
+      </a:lnStyleLst>
+      <a:effectStyleLst>
+        <a:effectStyle>
+          <a:effectLst/>
+        </a:effectStyle>
+        <a:effectStyle>
+          <a:effectLst/>
+        </a:effectStyle>
+        <a:effectStyle>
+          <a:effectLst>
+            <a:outerShdw blurRad="57150" dist="19050" dir="5400000" algn="ctr" rotWithShape="0">
+              <a:srgbClr val="000000">
+                <a:alpha val="63000"/>
+              </a:srgbClr>
+            </a:outerShdw>
+          </a:effectLst>
+        </a:effectStyle>
+      </a:effectStyleLst>
+      <a:bgFillStyleLst>
+        <a:solidFill>
+          <a:schemeClr val="phClr"/>
+        </a:solidFill>
+        <a:solidFill>
+          <a:schemeClr val="phClr">
+            <a:tint val="95000"/>
+            <a:satMod val="170000"/>
+          </a:schemeClr>
+        </a:solidFill>
+        <a:gradFill rotWithShape="1">
+          <a:gsLst>
+            <a:gs pos="0">
+              <a:schemeClr val="phClr">
+                <a:tint val="93000"/>
+                <a:satMod val="150000"/>
+                <a:shade val="98000"/>
+                <a:lumMod val="102000"/>
+              </a:schemeClr>
+            </a:gs>
+            <a:gs pos="50000">
+              <a:schemeClr val="phClr">
+                <a:tint val="98000"/>
+                <a:satMod val="130000"/>
+                <a:shade val="90000"/>
+                <a:lumMod val="103000"/>
+              </a:schemeClr>
+            </a:gs>
+            <a:gs pos="100000">
+              <a:schemeClr val="phClr">
+                <a:shade val="63000"/>
+                <a:satMod val="120000"/>
+              </a:schemeClr>
+            </a:gs>
+          </a:gsLst>
+          <a:lin ang="5400000" scaled="0"/>
+        </a:gradFill>
+      </a:bgFillStyleLst>
+    </a:fmtScheme>
+  </a:themeElements>
+  <a:objectDefaults>
+    <a:lnDef>
+      <a:spPr/>
+      <a:bodyPr/>
+      <a:lstStyle/>
+      <a:style>
+        <a:lnRef idx="2">
+          <a:schemeClr val="accent1"/>
+        </a:lnRef>
+        <a:fillRef idx="0">
+          <a:schemeClr val="accent1"/>
+        </a:fillRef>
+        <a:effectRef idx="1">
+          <a:schemeClr val="accent1"/>
+        </a:effectRef>
+        <a:fontRef idx="minor">
+          <a:schemeClr val="tx1"/>
+        </a:fontRef>
+      </a:style>
+    </a:lnDef>
+  </a:objectDefaults>
+  <a:extraClrSchemeLst/>
+  <a:extLst>
+    <a:ext uri="{05A4C25C-085E-4340-85A3-A5531E510DB2}">
+      <thm15:themeFamily xmlns:thm15="http://schemas.microsoft.com/office/thememl/2012/main" name="Office Theme" id="{2E142A2C-CD16-42D6-873A-C26D2A0506FA}" vid="{1BDDFF52-6CD6-40A5-AB3C-68EB2F1E4D0A}"/>
+    </a:ext>
+  </a:extLst>
+</a:theme>
 </file>
--- a/How to make money with software.pptx
+++ b/How to make money with software.pptx
@@ -5,7 +5,7 @@
     <p:sldMasterId id="2147483648" r:id="rId1"/>
   </p:sldMasterIdLst>
   <p:notesMasterIdLst>
-    <p:notesMasterId r:id="rId9"/>
+    <p:notesMasterId r:id="rId10"/>
   </p:notesMasterIdLst>
   <p:sldIdLst>
     <p:sldId id="256" r:id="rId2"/>
@@ -14,7 +14,8 @@
     <p:sldId id="259" r:id="rId5"/>
     <p:sldId id="262" r:id="rId6"/>
     <p:sldId id="260" r:id="rId7"/>
-    <p:sldId id="261" r:id="rId8"/>
+    <p:sldId id="263" r:id="rId8"/>
+    <p:sldId id="261" r:id="rId9"/>
   </p:sldIdLst>
   <p:sldSz cx="12192000" cy="6858000"/>
   <p:notesSz cx="6858000" cy="9144000"/>
@@ -547,7 +548,7 @@
           <a:p>
             <a:fld id="{7E26F585-9663-4692-A6EA-317E711EE4B0}" type="datetimeFigureOut">
               <a:rPr lang="nl-NL" smtClean="0"/>
-              <a:t>8-2-2025</a:t>
+              <a:t>12-2-2025</a:t>
             </a:fld>
             <a:endParaRPr lang="nl-NL"/>
           </a:p>
@@ -910,6 +911,90 @@
 </p:notes>
 </file>
 
+<file path=ppt/notesSlides/notesSlide2.xml><?xml version="1.0" encoding="utf-8"?>
+<p:notes xmlns:a="http://schemas.openxmlformats.org/drawingml/2006/main" xmlns:r="http://schemas.openxmlformats.org/officeDocument/2006/relationships" xmlns:p="http://schemas.openxmlformats.org/presentationml/2006/main">
+  <p:cSld>
+    <p:spTree>
+      <p:nvGrpSpPr>
+        <p:cNvPr id="1" name=""/>
+        <p:cNvGrpSpPr/>
+        <p:nvPr/>
+      </p:nvGrpSpPr>
+      <p:grpSpPr>
+        <a:xfrm>
+          <a:off x="0" y="0"/>
+          <a:ext cx="0" cy="0"/>
+          <a:chOff x="0" y="0"/>
+          <a:chExt cx="0" cy="0"/>
+        </a:xfrm>
+      </p:grpSpPr>
+      <p:sp>
+        <p:nvSpPr>
+          <p:cNvPr id="2" name="Tijdelijke aanduiding voor dia-afbeelding 1"/>
+          <p:cNvSpPr>
+            <a:spLocks noGrp="1" noRot="1" noChangeAspect="1"/>
+          </p:cNvSpPr>
+          <p:nvPr>
+            <p:ph type="sldImg"/>
+          </p:nvPr>
+        </p:nvSpPr>
+        <p:spPr/>
+      </p:sp>
+      <p:sp>
+        <p:nvSpPr>
+          <p:cNvPr id="3" name="Tijdelijke aanduiding voor notities 2"/>
+          <p:cNvSpPr>
+            <a:spLocks noGrp="1"/>
+          </p:cNvSpPr>
+          <p:nvPr>
+            <p:ph type="body" idx="1"/>
+          </p:nvPr>
+        </p:nvSpPr>
+        <p:spPr/>
+        <p:txBody>
+          <a:bodyPr/>
+          <a:lstStyle/>
+          <a:p>
+            <a:endParaRPr lang="nl-NL" dirty="0"/>
+          </a:p>
+        </p:txBody>
+      </p:sp>
+      <p:sp>
+        <p:nvSpPr>
+          <p:cNvPr id="4" name="Tijdelijke aanduiding voor dianummer 3"/>
+          <p:cNvSpPr>
+            <a:spLocks noGrp="1"/>
+          </p:cNvSpPr>
+          <p:nvPr>
+            <p:ph type="sldNum" sz="quarter" idx="5"/>
+          </p:nvPr>
+        </p:nvSpPr>
+        <p:spPr/>
+        <p:txBody>
+          <a:bodyPr/>
+          <a:lstStyle/>
+          <a:p>
+            <a:fld id="{8374D233-B376-447C-ADAD-60B3FD5F19C9}" type="slidenum">
+              <a:rPr lang="nl-NL" smtClean="0"/>
+              <a:t>6</a:t>
+            </a:fld>
+            <a:endParaRPr lang="nl-NL"/>
+          </a:p>
+        </p:txBody>
+      </p:sp>
+    </p:spTree>
+    <p:extLst>
+      <p:ext uri="{BB962C8B-B14F-4D97-AF65-F5344CB8AC3E}">
+        <p14:creationId xmlns:p14="http://schemas.microsoft.com/office/powerpoint/2010/main" val="2958359125"/>
+      </p:ext>
+    </p:extLst>
+  </p:cSld>
+  <p:clrMapOvr>
+    <a:masterClrMapping/>
+  </p:clrMapOvr>
+</p:notes>
+</file>
+
 <file path=ppt/slideLayouts/slideLayout1.xml><?xml version="1.0" encoding="utf-8"?>
 <p:sldLayout xmlns:a="http://schemas.openxmlformats.org/drawingml/2006/main" xmlns:r="http://schemas.openxmlformats.org/officeDocument/2006/relationships" xmlns:p="http://schemas.openxmlformats.org/presentationml/2006/main" type="title" preserve="1">
   <p:cSld name="Title Slide">
@@ -1059,7 +1144,7 @@
           <a:p>
             <a:fld id="{D64660CB-3018-4B1C-BA22-7AC78AB2EFDE}" type="datetimeFigureOut">
               <a:rPr lang="nl-NL" smtClean="0"/>
-              <a:t>8-2-2025</a:t>
+              <a:t>12-2-2025</a:t>
             </a:fld>
             <a:endParaRPr lang="nl-NL" dirty="0"/>
           </a:p>
@@ -1259,7 +1344,7 @@
           <a:p>
             <a:fld id="{D64660CB-3018-4B1C-BA22-7AC78AB2EFDE}" type="datetimeFigureOut">
               <a:rPr lang="nl-NL" smtClean="0"/>
-              <a:t>8-2-2025</a:t>
+              <a:t>12-2-2025</a:t>
             </a:fld>
             <a:endParaRPr lang="nl-NL" dirty="0"/>
           </a:p>
@@ -1469,7 +1554,7 @@
           <a:p>
             <a:fld id="{D64660CB-3018-4B1C-BA22-7AC78AB2EFDE}" type="datetimeFigureOut">
               <a:rPr lang="nl-NL" smtClean="0"/>
-              <a:t>8-2-2025</a:t>
+              <a:t>12-2-2025</a:t>
             </a:fld>
             <a:endParaRPr lang="nl-NL" dirty="0"/>
           </a:p>
@@ -1669,7 +1754,7 @@
           <a:p>
             <a:fld id="{D64660CB-3018-4B1C-BA22-7AC78AB2EFDE}" type="datetimeFigureOut">
               <a:rPr lang="nl-NL" smtClean="0"/>
-              <a:t>8-2-2025</a:t>
+              <a:t>12-2-2025</a:t>
             </a:fld>
             <a:endParaRPr lang="nl-NL" dirty="0"/>
           </a:p>
@@ -1945,7 +2030,7 @@
           <a:p>
             <a:fld id="{D64660CB-3018-4B1C-BA22-7AC78AB2EFDE}" type="datetimeFigureOut">
               <a:rPr lang="nl-NL" smtClean="0"/>
-              <a:t>8-2-2025</a:t>
+              <a:t>12-2-2025</a:t>
             </a:fld>
             <a:endParaRPr lang="nl-NL" dirty="0"/>
           </a:p>
@@ -2213,7 +2298,7 @@
           <a:p>
             <a:fld id="{D64660CB-3018-4B1C-BA22-7AC78AB2EFDE}" type="datetimeFigureOut">
               <a:rPr lang="nl-NL" smtClean="0"/>
-              <a:t>8-2-2025</a:t>
+              <a:t>12-2-2025</a:t>
             </a:fld>
             <a:endParaRPr lang="nl-NL" dirty="0"/>
           </a:p>
@@ -2628,7 +2713,7 @@
           <a:p>
             <a:fld id="{D64660CB-3018-4B1C-BA22-7AC78AB2EFDE}" type="datetimeFigureOut">
               <a:rPr lang="nl-NL" smtClean="0"/>
-              <a:t>8-2-2025</a:t>
+              <a:t>12-2-2025</a:t>
             </a:fld>
             <a:endParaRPr lang="nl-NL" dirty="0"/>
           </a:p>
@@ -2770,7 +2855,7 @@
           <a:p>
             <a:fld id="{D64660CB-3018-4B1C-BA22-7AC78AB2EFDE}" type="datetimeFigureOut">
               <a:rPr lang="nl-NL" smtClean="0"/>
-              <a:t>8-2-2025</a:t>
+              <a:t>12-2-2025</a:t>
             </a:fld>
             <a:endParaRPr lang="nl-NL" dirty="0"/>
           </a:p>
@@ -2883,7 +2968,7 @@
           <a:p>
             <a:fld id="{D64660CB-3018-4B1C-BA22-7AC78AB2EFDE}" type="datetimeFigureOut">
               <a:rPr lang="nl-NL" smtClean="0"/>
-              <a:t>8-2-2025</a:t>
+              <a:t>12-2-2025</a:t>
             </a:fld>
             <a:endParaRPr lang="nl-NL" dirty="0"/>
           </a:p>
@@ -3196,7 +3281,7 @@
           <a:p>
             <a:fld id="{D64660CB-3018-4B1C-BA22-7AC78AB2EFDE}" type="datetimeFigureOut">
               <a:rPr lang="nl-NL" smtClean="0"/>
-              <a:t>8-2-2025</a:t>
+              <a:t>12-2-2025</a:t>
             </a:fld>
             <a:endParaRPr lang="nl-NL" dirty="0"/>
           </a:p>
@@ -3485,7 +3570,7 @@
           <a:p>
             <a:fld id="{D64660CB-3018-4B1C-BA22-7AC78AB2EFDE}" type="datetimeFigureOut">
               <a:rPr lang="nl-NL" smtClean="0"/>
-              <a:t>8-2-2025</a:t>
+              <a:t>12-2-2025</a:t>
             </a:fld>
             <a:endParaRPr lang="nl-NL" dirty="0"/>
           </a:p>
@@ -3728,7 +3813,7 @@
           <a:p>
             <a:fld id="{D64660CB-3018-4B1C-BA22-7AC78AB2EFDE}" type="datetimeFigureOut">
               <a:rPr lang="nl-NL" smtClean="0"/>
-              <a:t>8-2-2025</a:t>
+              <a:t>12-2-2025</a:t>
             </a:fld>
             <a:endParaRPr lang="nl-NL" dirty="0"/>
           </a:p>
@@ -5654,6 +5739,141 @@
           </a:prstGeom>
         </p:spPr>
       </p:pic>
+      <p:sp>
+        <p:nvSpPr>
+          <p:cNvPr id="3" name="Tekstvak 2">
+            <a:extLst>
+              <a:ext uri="{FF2B5EF4-FFF2-40B4-BE49-F238E27FC236}">
+                <a16:creationId xmlns:a16="http://schemas.microsoft.com/office/drawing/2014/main" id="{40A6EBB3-30CF-730A-F399-72656F73F591}"/>
+              </a:ext>
+            </a:extLst>
+          </p:cNvPr>
+          <p:cNvSpPr txBox="1"/>
+          <p:nvPr/>
+        </p:nvSpPr>
+        <p:spPr>
+          <a:xfrm>
+            <a:off x="3248885" y="3271824"/>
+            <a:ext cx="5578890" cy="677108"/>
+          </a:xfrm>
+          <a:prstGeom prst="rect">
+            <a:avLst/>
+          </a:prstGeom>
+          <a:noFill/>
+        </p:spPr>
+        <p:txBody>
+          <a:bodyPr wrap="square" rtlCol="0">
+            <a:spAutoFit/>
+          </a:bodyPr>
+          <a:lstStyle/>
+          <a:p>
+            <a:r>
+              <a:rPr lang="nl-NL" sz="2000" b="0" dirty="0" err="1">
+                <a:solidFill>
+                  <a:srgbClr val="C586C0"/>
+                </a:solidFill>
+                <a:effectLst/>
+                <a:highlight>
+                  <a:srgbClr val="000000"/>
+                </a:highlight>
+                <a:latin typeface="Consolas" panose="020B0609020204030204" pitchFamily="49" charset="0"/>
+              </a:rPr>
+              <a:t>from</a:t>
+            </a:r>
+            <a:r>
+              <a:rPr lang="nl-NL" sz="2000" b="0" dirty="0">
+                <a:solidFill>
+                  <a:srgbClr val="FFFFFF"/>
+                </a:solidFill>
+                <a:effectLst/>
+                <a:highlight>
+                  <a:srgbClr val="000000"/>
+                </a:highlight>
+                <a:latin typeface="Consolas" panose="020B0609020204030204" pitchFamily="49" charset="0"/>
+              </a:rPr>
+              <a:t> </a:t>
+            </a:r>
+            <a:r>
+              <a:rPr lang="nl-NL" sz="2000" b="0" dirty="0" err="1">
+                <a:solidFill>
+                  <a:srgbClr val="4EC9B0"/>
+                </a:solidFill>
+                <a:effectLst/>
+                <a:highlight>
+                  <a:srgbClr val="000000"/>
+                </a:highlight>
+                <a:latin typeface="Consolas" panose="020B0609020204030204" pitchFamily="49" charset="0"/>
+              </a:rPr>
+              <a:t>termcolor</a:t>
+            </a:r>
+            <a:r>
+              <a:rPr lang="nl-NL" sz="2000" b="0" dirty="0">
+                <a:solidFill>
+                  <a:srgbClr val="FFFFFF"/>
+                </a:solidFill>
+                <a:effectLst/>
+                <a:highlight>
+                  <a:srgbClr val="000000"/>
+                </a:highlight>
+                <a:latin typeface="Consolas" panose="020B0609020204030204" pitchFamily="49" charset="0"/>
+              </a:rPr>
+              <a:t> </a:t>
+            </a:r>
+            <a:r>
+              <a:rPr lang="nl-NL" sz="2000" b="0" dirty="0">
+                <a:solidFill>
+                  <a:srgbClr val="C586C0"/>
+                </a:solidFill>
+                <a:effectLst/>
+                <a:highlight>
+                  <a:srgbClr val="000000"/>
+                </a:highlight>
+                <a:latin typeface="Consolas" panose="020B0609020204030204" pitchFamily="49" charset="0"/>
+              </a:rPr>
+              <a:t>import</a:t>
+            </a:r>
+            <a:r>
+              <a:rPr lang="nl-NL" sz="2000" b="0" dirty="0">
+                <a:solidFill>
+                  <a:srgbClr val="FFFFFF"/>
+                </a:solidFill>
+                <a:effectLst/>
+                <a:highlight>
+                  <a:srgbClr val="000000"/>
+                </a:highlight>
+                <a:latin typeface="Consolas" panose="020B0609020204030204" pitchFamily="49" charset="0"/>
+              </a:rPr>
+              <a:t> </a:t>
+            </a:r>
+            <a:r>
+              <a:rPr lang="nl-NL" sz="2000" b="0" dirty="0" err="1">
+                <a:solidFill>
+                  <a:srgbClr val="DCDCAA"/>
+                </a:solidFill>
+                <a:effectLst/>
+                <a:highlight>
+                  <a:srgbClr val="000000"/>
+                </a:highlight>
+                <a:latin typeface="Consolas" panose="020B0609020204030204" pitchFamily="49" charset="0"/>
+              </a:rPr>
+              <a:t>colored</a:t>
+            </a:r>
+            <a:endParaRPr lang="nl-NL" sz="2000" b="0" dirty="0">
+              <a:solidFill>
+                <a:srgbClr val="FFFFFF"/>
+              </a:solidFill>
+              <a:effectLst/>
+              <a:highlight>
+                <a:srgbClr val="000000"/>
+              </a:highlight>
+              <a:latin typeface="Consolas" panose="020B0609020204030204" pitchFamily="49" charset="0"/>
+            </a:endParaRPr>
+          </a:p>
+          <a:p>
+            <a:endParaRPr lang="nl-NL" dirty="0"/>
+          </a:p>
+        </p:txBody>
+      </p:sp>
     </p:spTree>
     <p:extLst>
       <p:ext uri="{BB962C8B-B14F-4D97-AF65-F5344CB8AC3E}">
@@ -6072,38 +6292,186 @@
           </a:prstGeom>
         </p:spPr>
       </p:pic>
-      <p:sp>
-        <p:nvSpPr>
-          <p:cNvPr id="10" name="Tekstvak 9">
-            <a:extLst>
-              <a:ext uri="{FF2B5EF4-FFF2-40B4-BE49-F238E27FC236}">
-                <a16:creationId xmlns:a16="http://schemas.microsoft.com/office/drawing/2014/main" id="{1DFEE081-31CE-4EA4-A9E2-E1EE023BB8ED}"/>
-              </a:ext>
-            </a:extLst>
-          </p:cNvPr>
-          <p:cNvSpPr txBox="1"/>
+      <p:pic>
+        <p:nvPicPr>
+          <p:cNvPr id="7" name="Afbeelding 6">
+            <a:extLst>
+              <a:ext uri="{FF2B5EF4-FFF2-40B4-BE49-F238E27FC236}">
+                <a16:creationId xmlns:a16="http://schemas.microsoft.com/office/drawing/2014/main" id="{CDBA71CB-8553-B91B-63BB-74F8AF52C2E2}"/>
+              </a:ext>
+            </a:extLst>
+          </p:cNvPr>
+          <p:cNvPicPr>
+            <a:picLocks noChangeAspect="1"/>
+          </p:cNvPicPr>
           <p:nvPr/>
-        </p:nvSpPr>
+        </p:nvPicPr>
+        <p:blipFill>
+          <a:blip r:embed="rId3"/>
+          <a:stretch>
+            <a:fillRect/>
+          </a:stretch>
+        </p:blipFill>
         <p:spPr>
           <a:xfrm>
-            <a:off x="3528905" y="2387600"/>
-            <a:ext cx="5299587" cy="2949678"/>
+            <a:off x="1192182" y="1629796"/>
+            <a:ext cx="2897243" cy="2578546"/>
           </a:xfrm>
           <a:prstGeom prst="rect">
             <a:avLst/>
           </a:prstGeom>
-          <a:noFill/>
         </p:spPr>
-        <p:txBody>
-          <a:bodyPr wrap="square" rtlCol="0">
-            <a:spAutoFit/>
-          </a:bodyPr>
-          <a:lstStyle/>
-          <a:p>
-            <a:endParaRPr lang="nl-NL" dirty="0"/>
-          </a:p>
-        </p:txBody>
-      </p:sp>
+      </p:pic>
+      <p:pic>
+        <p:nvPicPr>
+          <p:cNvPr id="9" name="Afbeelding 8">
+            <a:extLst>
+              <a:ext uri="{FF2B5EF4-FFF2-40B4-BE49-F238E27FC236}">
+                <a16:creationId xmlns:a16="http://schemas.microsoft.com/office/drawing/2014/main" id="{09A384EB-084D-320E-0CAB-439A34A6C8C2}"/>
+              </a:ext>
+            </a:extLst>
+          </p:cNvPr>
+          <p:cNvPicPr>
+            <a:picLocks noChangeAspect="1"/>
+          </p:cNvPicPr>
+          <p:nvPr/>
+        </p:nvPicPr>
+        <p:blipFill>
+          <a:blip r:embed="rId4"/>
+          <a:stretch>
+            <a:fillRect/>
+          </a:stretch>
+        </p:blipFill>
+        <p:spPr>
+          <a:xfrm>
+            <a:off x="1192182" y="4209030"/>
+            <a:ext cx="2897243" cy="2537337"/>
+          </a:xfrm>
+          <a:prstGeom prst="rect">
+            <a:avLst/>
+          </a:prstGeom>
+        </p:spPr>
+      </p:pic>
+      <p:pic>
+        <p:nvPicPr>
+          <p:cNvPr id="12" name="Afbeelding 11">
+            <a:extLst>
+              <a:ext uri="{FF2B5EF4-FFF2-40B4-BE49-F238E27FC236}">
+                <a16:creationId xmlns:a16="http://schemas.microsoft.com/office/drawing/2014/main" id="{B4232AB0-4066-9DB6-698A-05FD727CA7B2}"/>
+              </a:ext>
+            </a:extLst>
+          </p:cNvPr>
+          <p:cNvPicPr>
+            <a:picLocks noChangeAspect="1"/>
+          </p:cNvPicPr>
+          <p:nvPr/>
+        </p:nvPicPr>
+        <p:blipFill>
+          <a:blip r:embed="rId5"/>
+          <a:stretch>
+            <a:fillRect/>
+          </a:stretch>
+        </p:blipFill>
+        <p:spPr>
+          <a:xfrm>
+            <a:off x="4831643" y="1621578"/>
+            <a:ext cx="2971220" cy="2763421"/>
+          </a:xfrm>
+          <a:prstGeom prst="rect">
+            <a:avLst/>
+          </a:prstGeom>
+        </p:spPr>
+      </p:pic>
+      <p:pic>
+        <p:nvPicPr>
+          <p:cNvPr id="14" name="Afbeelding 13">
+            <a:extLst>
+              <a:ext uri="{FF2B5EF4-FFF2-40B4-BE49-F238E27FC236}">
+                <a16:creationId xmlns:a16="http://schemas.microsoft.com/office/drawing/2014/main" id="{1294759C-FFBC-DBDA-0F1C-554E9591D97E}"/>
+              </a:ext>
+            </a:extLst>
+          </p:cNvPr>
+          <p:cNvPicPr>
+            <a:picLocks noChangeAspect="1"/>
+          </p:cNvPicPr>
+          <p:nvPr/>
+        </p:nvPicPr>
+        <p:blipFill>
+          <a:blip r:embed="rId6"/>
+          <a:stretch>
+            <a:fillRect/>
+          </a:stretch>
+        </p:blipFill>
+        <p:spPr>
+          <a:xfrm>
+            <a:off x="4839914" y="4384999"/>
+            <a:ext cx="2159462" cy="2461641"/>
+          </a:xfrm>
+          <a:prstGeom prst="rect">
+            <a:avLst/>
+          </a:prstGeom>
+        </p:spPr>
+      </p:pic>
+      <p:pic>
+        <p:nvPicPr>
+          <p:cNvPr id="16" name="Afbeelding 15">
+            <a:extLst>
+              <a:ext uri="{FF2B5EF4-FFF2-40B4-BE49-F238E27FC236}">
+                <a16:creationId xmlns:a16="http://schemas.microsoft.com/office/drawing/2014/main" id="{42AE28E5-0E67-64A4-F739-F9ED434BC43F}"/>
+              </a:ext>
+            </a:extLst>
+          </p:cNvPr>
+          <p:cNvPicPr>
+            <a:picLocks noChangeAspect="1"/>
+          </p:cNvPicPr>
+          <p:nvPr/>
+        </p:nvPicPr>
+        <p:blipFill>
+          <a:blip r:embed="rId7"/>
+          <a:stretch>
+            <a:fillRect/>
+          </a:stretch>
+        </p:blipFill>
+        <p:spPr>
+          <a:xfrm>
+            <a:off x="7802864" y="1629796"/>
+            <a:ext cx="2276976" cy="2755203"/>
+          </a:xfrm>
+          <a:prstGeom prst="rect">
+            <a:avLst/>
+          </a:prstGeom>
+        </p:spPr>
+      </p:pic>
+      <p:pic>
+        <p:nvPicPr>
+          <p:cNvPr id="18" name="Afbeelding 17">
+            <a:extLst>
+              <a:ext uri="{FF2B5EF4-FFF2-40B4-BE49-F238E27FC236}">
+                <a16:creationId xmlns:a16="http://schemas.microsoft.com/office/drawing/2014/main" id="{27895E32-8381-B4F8-56EA-6731B8512EAC}"/>
+              </a:ext>
+            </a:extLst>
+          </p:cNvPr>
+          <p:cNvPicPr>
+            <a:picLocks noChangeAspect="1"/>
+          </p:cNvPicPr>
+          <p:nvPr/>
+        </p:nvPicPr>
+        <p:blipFill>
+          <a:blip r:embed="rId8"/>
+          <a:stretch>
+            <a:fillRect/>
+          </a:stretch>
+        </p:blipFill>
+        <p:spPr>
+          <a:xfrm>
+            <a:off x="7802863" y="4384999"/>
+            <a:ext cx="2220679" cy="2461641"/>
+          </a:xfrm>
+          <a:prstGeom prst="rect">
+            <a:avLst/>
+          </a:prstGeom>
+        </p:spPr>
+      </p:pic>
     </p:spTree>
     <p:extLst>
       <p:ext uri="{BB962C8B-B14F-4D97-AF65-F5344CB8AC3E}">
@@ -6348,6 +6716,66 @@
           <a:xfrm>
             <a:off x="8731045" y="331667"/>
             <a:ext cx="3220821" cy="1301270"/>
+          </a:xfrm>
+          <a:prstGeom prst="rect">
+            <a:avLst/>
+          </a:prstGeom>
+        </p:spPr>
+      </p:pic>
+      <p:pic>
+        <p:nvPicPr>
+          <p:cNvPr id="7" name="Afbeelding 6">
+            <a:extLst>
+              <a:ext uri="{FF2B5EF4-FFF2-40B4-BE49-F238E27FC236}">
+                <a16:creationId xmlns:a16="http://schemas.microsoft.com/office/drawing/2014/main" id="{68906C41-3494-036C-9D5A-61356D2F8F8D}"/>
+              </a:ext>
+            </a:extLst>
+          </p:cNvPr>
+          <p:cNvPicPr>
+            <a:picLocks noChangeAspect="1"/>
+          </p:cNvPicPr>
+          <p:nvPr/>
+        </p:nvPicPr>
+        <p:blipFill>
+          <a:blip r:embed="rId3"/>
+          <a:stretch>
+            <a:fillRect/>
+          </a:stretch>
+        </p:blipFill>
+        <p:spPr>
+          <a:xfrm>
+            <a:off x="1043037" y="1727479"/>
+            <a:ext cx="10898121" cy="2086266"/>
+          </a:xfrm>
+          <a:prstGeom prst="rect">
+            <a:avLst/>
+          </a:prstGeom>
+        </p:spPr>
+      </p:pic>
+      <p:pic>
+        <p:nvPicPr>
+          <p:cNvPr id="9" name="Afbeelding 8">
+            <a:extLst>
+              <a:ext uri="{FF2B5EF4-FFF2-40B4-BE49-F238E27FC236}">
+                <a16:creationId xmlns:a16="http://schemas.microsoft.com/office/drawing/2014/main" id="{EB627AB6-B644-90B6-B3CF-8EE500AF81E7}"/>
+              </a:ext>
+            </a:extLst>
+          </p:cNvPr>
+          <p:cNvPicPr>
+            <a:picLocks noChangeAspect="1"/>
+          </p:cNvPicPr>
+          <p:nvPr/>
+        </p:nvPicPr>
+        <p:blipFill>
+          <a:blip r:embed="rId4"/>
+          <a:stretch>
+            <a:fillRect/>
+          </a:stretch>
+        </p:blipFill>
+        <p:spPr>
+          <a:xfrm>
+            <a:off x="646939" y="3931553"/>
+            <a:ext cx="8183117" cy="2731015"/>
           </a:xfrm>
           <a:prstGeom prst="rect">
             <a:avLst/>
@@ -6581,7 +7009,7 @@
           <p:nvPr/>
         </p:nvPicPr>
         <p:blipFill>
-          <a:blip r:embed="rId2">
+          <a:blip r:embed="rId3">
             <a:extLst>
               <a:ext uri="{28A0092B-C50C-407E-A947-70E740481C1C}">
                 <a14:useLocalDpi xmlns:a14="http://schemas.microsoft.com/office/drawing/2010/main" val="0"/>
@@ -6602,6 +7030,41 @@
           </a:prstGeom>
         </p:spPr>
       </p:pic>
+      <p:sp>
+        <p:nvSpPr>
+          <p:cNvPr id="7" name="Tekstvak 6">
+            <a:extLst>
+              <a:ext uri="{FF2B5EF4-FFF2-40B4-BE49-F238E27FC236}">
+                <a16:creationId xmlns:a16="http://schemas.microsoft.com/office/drawing/2014/main" id="{E6311179-A36D-2E36-60D2-534F7ADCC181}"/>
+              </a:ext>
+            </a:extLst>
+          </p:cNvPr>
+          <p:cNvSpPr txBox="1"/>
+          <p:nvPr/>
+        </p:nvSpPr>
+        <p:spPr>
+          <a:xfrm>
+            <a:off x="3365106" y="2499541"/>
+            <a:ext cx="5129980" cy="369332"/>
+          </a:xfrm>
+          <a:prstGeom prst="rect">
+            <a:avLst/>
+          </a:prstGeom>
+          <a:noFill/>
+        </p:spPr>
+        <p:txBody>
+          <a:bodyPr wrap="square">
+            <a:spAutoFit/>
+          </a:bodyPr>
+          <a:lstStyle/>
+          <a:p>
+            <a:r>
+              <a:rPr lang="nl-NL" dirty="0"/>
+              <a:t>https://github.com/RuoFeng207/project_2.git</a:t>
+            </a:r>
+          </a:p>
+        </p:txBody>
+      </p:sp>
     </p:spTree>
     <p:extLst>
       <p:ext uri="{BB962C8B-B14F-4D97-AF65-F5344CB8AC3E}">
@@ -6632,13 +7095,7 @@
   <p:cSld>
     <p:spTree>
       <p:nvGrpSpPr>
-        <p:cNvPr id="1" name="">
-          <a:extLst>
-            <a:ext uri="{FF2B5EF4-FFF2-40B4-BE49-F238E27FC236}">
-              <a16:creationId xmlns:a16="http://schemas.microsoft.com/office/drawing/2014/main" id="{BCDB5753-4128-EBF0-CD23-22E49691DE10}"/>
-            </a:ext>
-          </a:extLst>
-        </p:cNvPr>
+        <p:cNvPr id="1" name=""/>
         <p:cNvGrpSpPr/>
         <p:nvPr/>
       </p:nvGrpSpPr>
@@ -6652,10 +7109,10 @@
       </p:grpSpPr>
       <p:sp>
         <p:nvSpPr>
-          <p:cNvPr id="6" name="Right Triangle 5">
-            <a:extLst>
-              <a:ext uri="{FF2B5EF4-FFF2-40B4-BE49-F238E27FC236}">
-                <a16:creationId xmlns:a16="http://schemas.microsoft.com/office/drawing/2014/main" id="{EC8B483F-1976-095F-5AC0-238551A1ED8C}"/>
+          <p:cNvPr id="9" name="Right Triangle 5">
+            <a:extLst>
+              <a:ext uri="{FF2B5EF4-FFF2-40B4-BE49-F238E27FC236}">
+                <a16:creationId xmlns:a16="http://schemas.microsoft.com/office/drawing/2014/main" id="{73902BDC-C876-AE36-363A-BCED58D2392C}"/>
               </a:ext>
             </a:extLst>
           </p:cNvPr>
@@ -6710,6 +7167,255 @@
       </p:sp>
       <p:sp>
         <p:nvSpPr>
+          <p:cNvPr id="10" name="Title 1">
+            <a:extLst>
+              <a:ext uri="{FF2B5EF4-FFF2-40B4-BE49-F238E27FC236}">
+                <a16:creationId xmlns:a16="http://schemas.microsoft.com/office/drawing/2014/main" id="{FBCD1630-CC9F-C806-63BD-6675EC4C1E2D}"/>
+              </a:ext>
+            </a:extLst>
+          </p:cNvPr>
+          <p:cNvSpPr txBox="1">
+            <a:spLocks/>
+          </p:cNvSpPr>
+          <p:nvPr/>
+        </p:nvSpPr>
+        <p:spPr>
+          <a:xfrm>
+            <a:off x="914400" y="2607811"/>
+            <a:ext cx="10363200" cy="1642378"/>
+          </a:xfrm>
+          <a:prstGeom prst="rect">
+            <a:avLst/>
+          </a:prstGeom>
+        </p:spPr>
+        <p:txBody>
+          <a:bodyPr vert="horz" lIns="91440" tIns="45720" rIns="91440" bIns="45720" rtlCol="0" anchor="ctr">
+            <a:normAutofit/>
+          </a:bodyPr>
+          <a:lstStyle>
+            <a:lvl1pPr algn="l" defTabSz="914400" rtl="0" eaLnBrk="1" latinLnBrk="0" hangingPunct="1">
+              <a:lnSpc>
+                <a:spcPct val="90000"/>
+              </a:lnSpc>
+              <a:spcBef>
+                <a:spcPct val="0"/>
+              </a:spcBef>
+              <a:buNone/>
+              <a:defRPr sz="4400" kern="1200">
+                <a:solidFill>
+                  <a:schemeClr val="tx1"/>
+                </a:solidFill>
+                <a:latin typeface="+mj-lt"/>
+                <a:ea typeface="+mj-ea"/>
+                <a:cs typeface="+mj-cs"/>
+              </a:defRPr>
+            </a:lvl1pPr>
+          </a:lstStyle>
+          <a:p>
+            <a:pPr algn="ctr"/>
+            <a:r>
+              <a:rPr lang="en-US" b="1" dirty="0" err="1">
+                <a:solidFill>
+                  <a:srgbClr val="333333"/>
+                </a:solidFill>
+                <a:latin typeface="Lato" panose="020F0502020204030203" pitchFamily="34" charset="0"/>
+              </a:rPr>
+              <a:t>Einde</a:t>
+            </a:r>
+            <a:endParaRPr lang="nl-NL" dirty="0"/>
+          </a:p>
+        </p:txBody>
+      </p:sp>
+      <p:sp>
+        <p:nvSpPr>
+          <p:cNvPr id="11" name="Right Triangle 3">
+            <a:extLst>
+              <a:ext uri="{FF2B5EF4-FFF2-40B4-BE49-F238E27FC236}">
+                <a16:creationId xmlns:a16="http://schemas.microsoft.com/office/drawing/2014/main" id="{FD6B4DE3-FDA1-DD3A-944E-6C21E6FE0666}"/>
+              </a:ext>
+            </a:extLst>
+          </p:cNvPr>
+          <p:cNvSpPr/>
+          <p:nvPr/>
+        </p:nvSpPr>
+        <p:spPr>
+          <a:xfrm rot="10800000" flipV="1">
+            <a:off x="8828492" y="4470400"/>
+            <a:ext cx="3347207" cy="2387600"/>
+          </a:xfrm>
+          <a:prstGeom prst="rtTriangle">
+            <a:avLst/>
+          </a:prstGeom>
+          <a:solidFill>
+            <a:srgbClr val="FFE464"/>
+          </a:solidFill>
+          <a:ln>
+            <a:solidFill>
+              <a:srgbClr val="FFE464"/>
+            </a:solidFill>
+          </a:ln>
+        </p:spPr>
+        <p:style>
+          <a:lnRef idx="2">
+            <a:schemeClr val="accent1">
+              <a:shade val="15000"/>
+            </a:schemeClr>
+          </a:lnRef>
+          <a:fillRef idx="1">
+            <a:schemeClr val="accent1"/>
+          </a:fillRef>
+          <a:effectRef idx="0">
+            <a:schemeClr val="accent1"/>
+          </a:effectRef>
+          <a:fontRef idx="minor">
+            <a:schemeClr val="lt1"/>
+          </a:fontRef>
+        </p:style>
+        <p:txBody>
+          <a:bodyPr rot="0" spcFirstLastPara="0" vert="horz" wrap="square" lIns="91440" tIns="45720" rIns="91440" bIns="45720" numCol="1" spcCol="0" rtlCol="0" fromWordArt="0" anchor="ctr" anchorCtr="0" forceAA="0" compatLnSpc="1">
+            <a:prstTxWarp prst="textNoShape">
+              <a:avLst/>
+            </a:prstTxWarp>
+            <a:noAutofit/>
+          </a:bodyPr>
+          <a:lstStyle/>
+          <a:p>
+            <a:endParaRPr lang="nl-NL" dirty="0"/>
+          </a:p>
+        </p:txBody>
+      </p:sp>
+      <p:pic>
+        <p:nvPicPr>
+          <p:cNvPr id="12" name="Afbeelding 11" descr="Afbeelding met Lettertype, logo, Graphics, symbool">
+            <a:extLst>
+              <a:ext uri="{FF2B5EF4-FFF2-40B4-BE49-F238E27FC236}">
+                <a16:creationId xmlns:a16="http://schemas.microsoft.com/office/drawing/2014/main" id="{DAAAC309-093F-388B-C516-BF88C2982549}"/>
+              </a:ext>
+            </a:extLst>
+          </p:cNvPr>
+          <p:cNvPicPr>
+            <a:picLocks noChangeAspect="1"/>
+          </p:cNvPicPr>
+          <p:nvPr/>
+        </p:nvPicPr>
+        <p:blipFill>
+          <a:blip r:embed="rId2">
+            <a:extLst>
+              <a:ext uri="{28A0092B-C50C-407E-A947-70E740481C1C}">
+                <a14:useLocalDpi xmlns:a14="http://schemas.microsoft.com/office/drawing/2010/main" val="0"/>
+              </a:ext>
+            </a:extLst>
+          </a:blip>
+          <a:stretch>
+            <a:fillRect/>
+          </a:stretch>
+        </p:blipFill>
+        <p:spPr>
+          <a:xfrm>
+            <a:off x="8731045" y="331667"/>
+            <a:ext cx="3220821" cy="1301270"/>
+          </a:xfrm>
+          <a:prstGeom prst="rect">
+            <a:avLst/>
+          </a:prstGeom>
+        </p:spPr>
+      </p:pic>
+    </p:spTree>
+    <p:extLst>
+      <p:ext uri="{BB962C8B-B14F-4D97-AF65-F5344CB8AC3E}">
+        <p14:creationId xmlns:p14="http://schemas.microsoft.com/office/powerpoint/2010/main" val="161856884"/>
+      </p:ext>
+    </p:extLst>
+  </p:cSld>
+  <p:clrMapOvr>
+    <a:masterClrMapping/>
+  </p:clrMapOvr>
+</p:sld>
+</file>
+
+<file path=ppt/slides/slide8.xml><?xml version="1.0" encoding="utf-8"?>
+<p:sld xmlns:a="http://schemas.openxmlformats.org/drawingml/2006/main" xmlns:r="http://schemas.openxmlformats.org/officeDocument/2006/relationships" xmlns:p="http://schemas.openxmlformats.org/presentationml/2006/main">
+  <p:cSld>
+    <p:spTree>
+      <p:nvGrpSpPr>
+        <p:cNvPr id="1" name="">
+          <a:extLst>
+            <a:ext uri="{FF2B5EF4-FFF2-40B4-BE49-F238E27FC236}">
+              <a16:creationId xmlns:a16="http://schemas.microsoft.com/office/drawing/2014/main" id="{BCDB5753-4128-EBF0-CD23-22E49691DE10}"/>
+            </a:ext>
+          </a:extLst>
+        </p:cNvPr>
+        <p:cNvGrpSpPr/>
+        <p:nvPr/>
+      </p:nvGrpSpPr>
+      <p:grpSpPr>
+        <a:xfrm>
+          <a:off x="0" y="0"/>
+          <a:ext cx="0" cy="0"/>
+          <a:chOff x="0" y="0"/>
+          <a:chExt cx="0" cy="0"/>
+        </a:xfrm>
+      </p:grpSpPr>
+      <p:sp>
+        <p:nvSpPr>
+          <p:cNvPr id="6" name="Right Triangle 5">
+            <a:extLst>
+              <a:ext uri="{FF2B5EF4-FFF2-40B4-BE49-F238E27FC236}">
+                <a16:creationId xmlns:a16="http://schemas.microsoft.com/office/drawing/2014/main" id="{EC8B483F-1976-095F-5AC0-238551A1ED8C}"/>
+              </a:ext>
+            </a:extLst>
+          </p:cNvPr>
+          <p:cNvSpPr/>
+          <p:nvPr/>
+        </p:nvSpPr>
+        <p:spPr>
+          <a:xfrm flipV="1">
+            <a:off x="0" y="0"/>
+            <a:ext cx="3347207" cy="2387600"/>
+          </a:xfrm>
+          <a:prstGeom prst="rtTriangle">
+            <a:avLst/>
+          </a:prstGeom>
+          <a:solidFill>
+            <a:srgbClr val="3877AA"/>
+          </a:solidFill>
+          <a:ln>
+            <a:solidFill>
+              <a:srgbClr val="3877AA"/>
+            </a:solidFill>
+          </a:ln>
+        </p:spPr>
+        <p:style>
+          <a:lnRef idx="2">
+            <a:schemeClr val="accent1">
+              <a:shade val="15000"/>
+            </a:schemeClr>
+          </a:lnRef>
+          <a:fillRef idx="1">
+            <a:schemeClr val="accent1"/>
+          </a:fillRef>
+          <a:effectRef idx="0">
+            <a:schemeClr val="accent1"/>
+          </a:effectRef>
+          <a:fontRef idx="minor">
+            <a:schemeClr val="lt1"/>
+          </a:fontRef>
+        </p:style>
+        <p:txBody>
+          <a:bodyPr rot="0" spcFirstLastPara="0" vert="horz" wrap="square" lIns="91440" tIns="45720" rIns="91440" bIns="45720" numCol="1" spcCol="0" rtlCol="0" fromWordArt="0" anchor="ctr" anchorCtr="0" forceAA="0" compatLnSpc="1">
+            <a:prstTxWarp prst="textNoShape">
+              <a:avLst/>
+            </a:prstTxWarp>
+            <a:noAutofit/>
+          </a:bodyPr>
+          <a:lstStyle/>
+          <a:p>
+            <a:endParaRPr lang="nl-NL" dirty="0"/>
+          </a:p>
+        </p:txBody>
+      </p:sp>
+      <p:sp>
+        <p:nvSpPr>
           <p:cNvPr id="2" name="Title 1">
             <a:extLst>
               <a:ext uri="{FF2B5EF4-FFF2-40B4-BE49-F238E27FC236}">
@@ -6726,7 +7432,7 @@
         </p:nvSpPr>
         <p:spPr>
           <a:xfrm>
-            <a:off x="748496" y="11360"/>
+            <a:off x="914400" y="2235200"/>
             <a:ext cx="10363200" cy="2387600"/>
           </a:xfrm>
         </p:spPr>
@@ -6745,6 +7451,16 @@
                 <a:latin typeface="Lato" panose="020F0502020204030203" pitchFamily="34" charset="0"/>
               </a:rPr>
               <a:t>Vragen</a:t>
+            </a:r>
+            <a:r>
+              <a:rPr lang="en-US" b="1" i="0" dirty="0">
+                <a:solidFill>
+                  <a:srgbClr val="333333"/>
+                </a:solidFill>
+                <a:effectLst/>
+                <a:latin typeface="Lato" panose="020F0502020204030203" pitchFamily="34" charset="0"/>
+              </a:rPr>
+              <a:t>?</a:t>
             </a:r>
             <a:br>
               <a:rPr lang="en-US" b="1" i="0" dirty="0">
